--- a/courses/sysprog/slides/lec04-stm.pptx
+++ b/courses/sysprog/slides/lec04-stm.pptx
@@ -6212,7 +6212,7 @@
                 </a:solidFill>
                 <a:latin typeface="Courier New" panose="02070309020205020404" pitchFamily="49" charset="0"/>
               </a:rPr>
-              <a:t>  if (!a[</a:t>
+              <a:t>  if(!a[</a:t>
             </a:r>
             <a:r>
               <a:rPr lang="en-US" altLang="zh-CN" sz="2000" b="1" dirty="0" err="1">
@@ -6628,7 +6628,7 @@
                 </a:solidFill>
                 <a:latin typeface="Courier New" panose="02070309020205020404" pitchFamily="49" charset="0"/>
               </a:rPr>
-              <a:t>  if (a[</a:t>
+              <a:t>  if(a[</a:t>
             </a:r>
             <a:r>
               <a:rPr lang="en-US" altLang="zh-CN" sz="2000" b="1" dirty="0" err="1">
@@ -6694,7 +6694,7 @@
                 </a:solidFill>
                 <a:latin typeface="Courier New" panose="02070309020205020404" pitchFamily="49" charset="0"/>
               </a:rPr>
-              <a:t> (“%d”, a[</a:t>
+              <a:t>(“%d”, a[</a:t>
             </a:r>
             <a:r>
               <a:rPr lang="en-US" altLang="zh-CN" sz="2000" b="1" dirty="0" err="1">
@@ -7437,7 +7437,7 @@
               </a:lnSpc>
             </a:pPr>
             <a:r>
-              <a:rPr lang="en-US" altLang="zh-CN" sz="2800"/>
+              <a:rPr lang="en-US" altLang="zh-CN" sz="2800" dirty="0"/>
               <a:t>A statement:</a:t>
             </a:r>
           </a:p>
@@ -7448,7 +7448,7 @@
               </a:lnSpc>
             </a:pPr>
             <a:r>
-              <a:rPr lang="en-US" altLang="zh-CN" sz="2400"/>
+              <a:rPr lang="en-US" altLang="zh-CN" sz="2400" dirty="0"/>
               <a:t>basic form: expression terminated with a semicolon</a:t>
             </a:r>
           </a:p>
@@ -7459,7 +7459,7 @@
               </a:lnSpc>
             </a:pPr>
             <a:r>
-              <a:rPr lang="en-US" altLang="zh-CN" sz="2400"/>
+              <a:rPr lang="en-US" altLang="zh-CN" sz="2400" dirty="0"/>
               <a:t>Ex:</a:t>
             </a:r>
           </a:p>
@@ -7470,7 +7470,7 @@
               </a:lnSpc>
             </a:pPr>
             <a:r>
-              <a:rPr lang="en-US" altLang="zh-CN" sz="2000">
+              <a:rPr lang="en-US" altLang="zh-CN" sz="2000" dirty="0">
                 <a:solidFill>
                   <a:schemeClr val="folHlink"/>
                 </a:solidFill>
@@ -7485,15 +7485,23 @@
               </a:lnSpc>
             </a:pPr>
             <a:r>
-              <a:rPr lang="en-US" altLang="zh-CN" sz="2000">
-                <a:solidFill>
-                  <a:schemeClr val="folHlink"/>
-                </a:solidFill>
-              </a:rPr>
-              <a:t>printf (</a:t>
-            </a:r>
-            <a:r>
-              <a:rPr lang="en-US" altLang="zh-CN" sz="2000">
+              <a:rPr lang="en-US" altLang="zh-CN" sz="2000" dirty="0" err="1">
+                <a:solidFill>
+                  <a:schemeClr val="folHlink"/>
+                </a:solidFill>
+              </a:rPr>
+              <a:t>printf</a:t>
+            </a:r>
+            <a:r>
+              <a:rPr lang="en-US" altLang="zh-CN" sz="2000" dirty="0">
+                <a:solidFill>
+                  <a:schemeClr val="folHlink"/>
+                </a:solidFill>
+              </a:rPr>
+              <a:t>(</a:t>
+            </a:r>
+            <a:r>
+              <a:rPr lang="en-US" altLang="zh-CN" sz="2000" dirty="0">
                 <a:solidFill>
                   <a:schemeClr val="folHlink"/>
                 </a:solidFill>
@@ -7502,7 +7510,7 @@
               <a:t>“</a:t>
             </a:r>
             <a:r>
-              <a:rPr lang="en-US" altLang="zh-CN" sz="2000">
+              <a:rPr lang="en-US" altLang="zh-CN" sz="2000" dirty="0">
                 <a:solidFill>
                   <a:schemeClr val="folHlink"/>
                 </a:solidFill>
@@ -7510,7 +7518,7 @@
               <a:t>hello, world\n</a:t>
             </a:r>
             <a:r>
-              <a:rPr lang="en-US" altLang="zh-CN" sz="2000">
+              <a:rPr lang="en-US" altLang="zh-CN" sz="2000" dirty="0">
                 <a:solidFill>
                   <a:schemeClr val="folHlink"/>
                 </a:solidFill>
@@ -7519,7 +7527,7 @@
               <a:t>”</a:t>
             </a:r>
             <a:r>
-              <a:rPr lang="en-US" altLang="zh-CN" sz="2000">
+              <a:rPr lang="en-US" altLang="zh-CN" sz="2000" dirty="0">
                 <a:solidFill>
                   <a:schemeClr val="folHlink"/>
                 </a:solidFill>
@@ -7534,7 +7542,7 @@
               </a:lnSpc>
             </a:pPr>
             <a:r>
-              <a:rPr lang="en-US" altLang="zh-CN" sz="2800"/>
+              <a:rPr lang="en-US" altLang="zh-CN" sz="2800" dirty="0"/>
               <a:t>A block:</a:t>
             </a:r>
           </a:p>
@@ -7545,7 +7553,7 @@
               </a:lnSpc>
             </a:pPr>
             <a:r>
-              <a:rPr lang="en-US" altLang="zh-CN" sz="2400"/>
+              <a:rPr lang="en-US" altLang="zh-CN" sz="2400" dirty="0"/>
               <a:t>is a list of statements: zero, one or more</a:t>
             </a:r>
           </a:p>
@@ -7556,7 +7564,7 @@
               </a:lnSpc>
             </a:pPr>
             <a:r>
-              <a:rPr lang="en-US" altLang="zh-CN" sz="2400"/>
+              <a:rPr lang="en-US" altLang="zh-CN" sz="2400" dirty="0"/>
               <a:t>starts with {, ends with }</a:t>
             </a:r>
           </a:p>
@@ -7567,7 +7575,7 @@
               </a:lnSpc>
             </a:pPr>
             <a:r>
-              <a:rPr lang="en-US" altLang="zh-CN" sz="2400"/>
+              <a:rPr lang="en-US" altLang="zh-CN" sz="2400" dirty="0"/>
               <a:t>no terminating semicolon</a:t>
             </a:r>
           </a:p>
@@ -8194,7 +8202,7 @@
                 </a:solidFill>
                 <a:latin typeface="Courier New" panose="02070309020205020404" pitchFamily="49" charset="0"/>
               </a:rPr>
-              <a:t>  if (x&lt;10)</a:t>
+              <a:t>  if(x&lt;10)</a:t>
             </a:r>
           </a:p>
           <a:p>

--- a/courses/sysprog/slides/lec04-stm.pptx
+++ b/courses/sysprog/slides/lec04-stm.pptx
@@ -4585,7 +4585,7 @@
             <a:r>
               <a:rPr lang="en-US" altLang="zh-CN" sz="2000" b="1" dirty="0">
                 <a:solidFill>
-                  <a:schemeClr val="folHlink"/>
+                  <a:srgbClr val="0432FF"/>
                 </a:solidFill>
                 <a:latin typeface="Courier New" panose="02070309020205020404" pitchFamily="49" charset="0"/>
               </a:rPr>
@@ -4594,7 +4594,7 @@
             <a:r>
               <a:rPr lang="en-US" altLang="zh-CN" sz="2000" b="1" dirty="0" err="1">
                 <a:solidFill>
-                  <a:schemeClr val="folHlink"/>
+                  <a:srgbClr val="0432FF"/>
                 </a:solidFill>
                 <a:latin typeface="Courier New" panose="02070309020205020404" pitchFamily="49" charset="0"/>
               </a:rPr>
@@ -4603,7 +4603,7 @@
             <a:r>
               <a:rPr lang="en-US" altLang="zh-CN" sz="2000" b="1" dirty="0">
                 <a:solidFill>
-                  <a:schemeClr val="folHlink"/>
+                  <a:srgbClr val="0432FF"/>
                 </a:solidFill>
                 <a:latin typeface="Courier New" panose="02070309020205020404" pitchFamily="49" charset="0"/>
               </a:rPr>
@@ -4621,7 +4621,7 @@
             <a:r>
               <a:rPr lang="en-US" altLang="zh-CN" sz="2000" b="1" dirty="0">
                 <a:solidFill>
-                  <a:schemeClr val="folHlink"/>
+                  <a:srgbClr val="0432FF"/>
                 </a:solidFill>
                 <a:latin typeface="Courier New" panose="02070309020205020404" pitchFamily="49" charset="0"/>
               </a:rPr>
@@ -4638,7 +4638,7 @@
             </a:pPr>
             <a:endParaRPr lang="en-US" altLang="zh-CN" sz="2000" b="1" dirty="0">
               <a:solidFill>
-                <a:schemeClr val="folHlink"/>
+                <a:srgbClr val="0432FF"/>
               </a:solidFill>
               <a:latin typeface="Courier New" panose="02070309020205020404" pitchFamily="49" charset="0"/>
             </a:endParaRPr>
@@ -4654,7 +4654,7 @@
             <a:r>
               <a:rPr lang="en-US" altLang="zh-CN" sz="2000" b="1" dirty="0">
                 <a:solidFill>
-                  <a:schemeClr val="folHlink"/>
+                  <a:srgbClr val="0432FF"/>
                 </a:solidFill>
                 <a:latin typeface="Courier New" panose="02070309020205020404" pitchFamily="49" charset="0"/>
               </a:rPr>
@@ -4672,7 +4672,7 @@
             <a:r>
               <a:rPr lang="en-US" altLang="zh-CN" sz="2000" b="1" dirty="0">
                 <a:solidFill>
-                  <a:schemeClr val="folHlink"/>
+                  <a:srgbClr val="0432FF"/>
                 </a:solidFill>
                 <a:latin typeface="Courier New" panose="02070309020205020404" pitchFamily="49" charset="0"/>
               </a:rPr>
@@ -4690,7 +4690,7 @@
             <a:r>
               <a:rPr lang="en-US" altLang="zh-CN" sz="2000" b="1" dirty="0">
                 <a:solidFill>
-                  <a:schemeClr val="folHlink"/>
+                  <a:srgbClr val="0432FF"/>
                 </a:solidFill>
                 <a:latin typeface="Courier New" panose="02070309020205020404" pitchFamily="49" charset="0"/>
               </a:rPr>
@@ -4708,7 +4708,7 @@
             <a:r>
               <a:rPr lang="en-US" altLang="zh-CN" sz="2000" b="1" dirty="0">
                 <a:solidFill>
-                  <a:schemeClr val="folHlink"/>
+                  <a:srgbClr val="0432FF"/>
                 </a:solidFill>
                 <a:latin typeface="Courier New" panose="02070309020205020404" pitchFamily="49" charset="0"/>
               </a:rPr>
@@ -4726,7 +4726,7 @@
             <a:r>
               <a:rPr lang="en-US" altLang="zh-CN" sz="2000" b="1" dirty="0">
                 <a:solidFill>
-                  <a:schemeClr val="folHlink"/>
+                  <a:srgbClr val="0432FF"/>
                 </a:solidFill>
                 <a:latin typeface="Courier New" panose="02070309020205020404" pitchFamily="49" charset="0"/>
               </a:rPr>
@@ -4744,7 +4744,7 @@
             <a:r>
               <a:rPr lang="en-US" altLang="zh-CN" sz="2000" b="1" dirty="0">
                 <a:solidFill>
-                  <a:schemeClr val="folHlink"/>
+                  <a:srgbClr val="0432FF"/>
                 </a:solidFill>
                 <a:latin typeface="Courier New" panose="02070309020205020404" pitchFamily="49" charset="0"/>
               </a:rPr>
@@ -4762,7 +4762,7 @@
             <a:r>
               <a:rPr lang="en-US" altLang="zh-CN" sz="2000" b="1" dirty="0">
                 <a:solidFill>
-                  <a:schemeClr val="folHlink"/>
+                  <a:srgbClr val="0432FF"/>
                 </a:solidFill>
                 <a:latin typeface="Courier New" panose="02070309020205020404" pitchFamily="49" charset="0"/>
               </a:rPr>
@@ -4779,7 +4779,7 @@
             </a:pPr>
             <a:endParaRPr lang="en-US" altLang="zh-CN" sz="2000" b="1" dirty="0">
               <a:solidFill>
-                <a:schemeClr val="folHlink"/>
+                <a:srgbClr val="0432FF"/>
               </a:solidFill>
               <a:latin typeface="Courier New" panose="02070309020205020404" pitchFamily="49" charset="0"/>
             </a:endParaRPr>
@@ -4795,7 +4795,7 @@
             <a:r>
               <a:rPr lang="en-US" altLang="zh-CN" sz="2000" b="1" dirty="0">
                 <a:solidFill>
-                  <a:schemeClr val="folHlink"/>
+                  <a:srgbClr val="0432FF"/>
                 </a:solidFill>
                 <a:latin typeface="Courier New" panose="02070309020205020404" pitchFamily="49" charset="0"/>
               </a:rPr>
@@ -4813,7 +4813,7 @@
             <a:r>
               <a:rPr lang="en-US" altLang="zh-CN" sz="2000" b="1" dirty="0">
                 <a:solidFill>
-                  <a:schemeClr val="folHlink"/>
+                  <a:srgbClr val="0432FF"/>
                 </a:solidFill>
                 <a:latin typeface="Courier New" panose="02070309020205020404" pitchFamily="49" charset="0"/>
               </a:rPr>
@@ -4909,7 +4909,7 @@
             <a:r>
               <a:rPr lang="en-US" altLang="zh-CN" sz="2000" b="1" dirty="0">
                 <a:solidFill>
-                  <a:schemeClr val="folHlink"/>
+                  <a:srgbClr val="0432FF"/>
                 </a:solidFill>
                 <a:latin typeface="Courier New" panose="02070309020205020404" pitchFamily="49" charset="0"/>
               </a:rPr>
@@ -4918,7 +4918,7 @@
             <a:r>
               <a:rPr lang="en-US" altLang="zh-CN" sz="2000" b="1" i="1" dirty="0">
                 <a:solidFill>
-                  <a:schemeClr val="folHlink"/>
+                  <a:srgbClr val="0432FF"/>
                 </a:solidFill>
                 <a:latin typeface="Courier New" panose="02070309020205020404" pitchFamily="49" charset="0"/>
               </a:rPr>
@@ -4927,7 +4927,7 @@
             <a:r>
               <a:rPr lang="en-US" altLang="zh-CN" sz="2000" b="1" dirty="0">
                 <a:solidFill>
-                  <a:schemeClr val="folHlink"/>
+                  <a:srgbClr val="0432FF"/>
                 </a:solidFill>
                 <a:latin typeface="Courier New" panose="02070309020205020404" pitchFamily="49" charset="0"/>
               </a:rPr>
@@ -4945,7 +4945,7 @@
             <a:r>
               <a:rPr lang="en-US" altLang="zh-CN" sz="2000" b="1" dirty="0">
                 <a:solidFill>
-                  <a:schemeClr val="folHlink"/>
+                  <a:srgbClr val="0432FF"/>
                 </a:solidFill>
                 <a:latin typeface="Courier New" panose="02070309020205020404" pitchFamily="49" charset="0"/>
               </a:rPr>
@@ -4954,7 +4954,7 @@
             <a:r>
               <a:rPr lang="en-US" altLang="zh-CN" sz="2000" b="1" i="1" dirty="0">
                 <a:solidFill>
-                  <a:schemeClr val="folHlink"/>
+                  <a:srgbClr val="0432FF"/>
                 </a:solidFill>
                 <a:latin typeface="Courier New" panose="02070309020205020404" pitchFamily="49" charset="0"/>
               </a:rPr>
@@ -4963,7 +4963,7 @@
             <a:r>
               <a:rPr lang="en-US" altLang="zh-CN" sz="2000" b="1" dirty="0">
                 <a:solidFill>
-                  <a:schemeClr val="folHlink"/>
+                  <a:srgbClr val="0432FF"/>
                 </a:solidFill>
                 <a:latin typeface="Courier New" panose="02070309020205020404" pitchFamily="49" charset="0"/>
               </a:rPr>
@@ -4972,7 +4972,7 @@
             <a:r>
               <a:rPr lang="en-US" altLang="zh-CN" sz="2000" b="1" i="1" dirty="0">
                 <a:solidFill>
-                  <a:schemeClr val="folHlink"/>
+                  <a:srgbClr val="0432FF"/>
                 </a:solidFill>
                 <a:latin typeface="Courier New" panose="02070309020205020404" pitchFamily="49" charset="0"/>
               </a:rPr>
@@ -4981,7 +4981,7 @@
             <a:r>
               <a:rPr lang="en-US" altLang="zh-CN" sz="2000" b="1" dirty="0">
                 <a:solidFill>
-                  <a:schemeClr val="folHlink"/>
+                  <a:srgbClr val="0432FF"/>
                 </a:solidFill>
                 <a:latin typeface="Courier New" panose="02070309020205020404" pitchFamily="49" charset="0"/>
               </a:rPr>
@@ -4999,7 +4999,7 @@
             <a:r>
               <a:rPr lang="en-US" altLang="zh-CN" sz="2000" b="1" dirty="0">
                 <a:solidFill>
-                  <a:schemeClr val="folHlink"/>
+                  <a:srgbClr val="0432FF"/>
                 </a:solidFill>
                 <a:latin typeface="Courier New" panose="02070309020205020404" pitchFamily="49" charset="0"/>
               </a:rPr>
@@ -5008,7 +5008,7 @@
             <a:r>
               <a:rPr lang="en-US" altLang="zh-CN" sz="2000" b="1" i="1" dirty="0">
                 <a:solidFill>
-                  <a:schemeClr val="folHlink"/>
+                  <a:srgbClr val="0432FF"/>
                 </a:solidFill>
                 <a:latin typeface="Courier New" panose="02070309020205020404" pitchFamily="49" charset="0"/>
               </a:rPr>
@@ -5017,7 +5017,7 @@
             <a:r>
               <a:rPr lang="en-US" altLang="zh-CN" sz="2000" b="1" dirty="0">
                 <a:solidFill>
-                  <a:schemeClr val="folHlink"/>
+                  <a:srgbClr val="0432FF"/>
                 </a:solidFill>
                 <a:latin typeface="Courier New" panose="02070309020205020404" pitchFamily="49" charset="0"/>
               </a:rPr>
@@ -5026,7 +5026,7 @@
             <a:r>
               <a:rPr lang="en-US" altLang="zh-CN" sz="2000" b="1" i="1" dirty="0">
                 <a:solidFill>
-                  <a:schemeClr val="folHlink"/>
+                  <a:srgbClr val="0432FF"/>
                 </a:solidFill>
                 <a:latin typeface="Courier New" panose="02070309020205020404" pitchFamily="49" charset="0"/>
               </a:rPr>
@@ -5035,7 +5035,7 @@
             <a:r>
               <a:rPr lang="en-US" altLang="zh-CN" sz="2000" b="1" dirty="0">
                 <a:solidFill>
-                  <a:schemeClr val="folHlink"/>
+                  <a:srgbClr val="0432FF"/>
                 </a:solidFill>
                 <a:latin typeface="Courier New" panose="02070309020205020404" pitchFamily="49" charset="0"/>
               </a:rPr>
@@ -5053,7 +5053,7 @@
             <a:r>
               <a:rPr lang="en-US" altLang="zh-CN" sz="2000" b="1" dirty="0">
                 <a:solidFill>
-                  <a:schemeClr val="folHlink"/>
+                  <a:srgbClr val="0432FF"/>
                 </a:solidFill>
                 <a:latin typeface="Courier New" panose="02070309020205020404" pitchFamily="49" charset="0"/>
               </a:rPr>
@@ -5062,7 +5062,7 @@
             <a:r>
               <a:rPr lang="en-US" altLang="zh-CN" sz="2000" b="1" i="1" dirty="0">
                 <a:solidFill>
-                  <a:schemeClr val="folHlink"/>
+                  <a:srgbClr val="0432FF"/>
                 </a:solidFill>
                 <a:latin typeface="Courier New" panose="02070309020205020404" pitchFamily="49" charset="0"/>
               </a:rPr>
@@ -5071,7 +5071,7 @@
             <a:r>
               <a:rPr lang="en-US" altLang="zh-CN" sz="2000" b="1" dirty="0">
                 <a:solidFill>
-                  <a:schemeClr val="folHlink"/>
+                  <a:srgbClr val="0432FF"/>
                 </a:solidFill>
                 <a:latin typeface="Courier New" panose="02070309020205020404" pitchFamily="49" charset="0"/>
               </a:rPr>
@@ -5089,7 +5089,7 @@
             <a:r>
               <a:rPr lang="en-US" altLang="zh-CN" sz="2000" b="1" dirty="0">
                 <a:solidFill>
-                  <a:schemeClr val="folHlink"/>
+                  <a:srgbClr val="0432FF"/>
                 </a:solidFill>
                 <a:latin typeface="Courier New" panose="02070309020205020404" pitchFamily="49" charset="0"/>
               </a:rPr>
@@ -5260,7 +5260,7 @@
             <a:r>
               <a:rPr lang="en-US" altLang="zh-CN" sz="2000" b="1" dirty="0">
                 <a:solidFill>
-                  <a:schemeClr val="folHlink"/>
+                  <a:srgbClr val="0432FF"/>
                 </a:solidFill>
                 <a:latin typeface="Courier New" panose="02070309020205020404" pitchFamily="49" charset="0"/>
               </a:rPr>
@@ -5269,7 +5269,7 @@
             <a:r>
               <a:rPr lang="en-US" altLang="zh-CN" sz="2000" b="1" dirty="0" err="1">
                 <a:solidFill>
-                  <a:schemeClr val="folHlink"/>
+                  <a:srgbClr val="0432FF"/>
                 </a:solidFill>
                 <a:latin typeface="Courier New" panose="02070309020205020404" pitchFamily="49" charset="0"/>
               </a:rPr>
@@ -5278,7 +5278,7 @@
             <a:r>
               <a:rPr lang="en-US" altLang="zh-CN" sz="2000" b="1" dirty="0">
                 <a:solidFill>
-                  <a:schemeClr val="folHlink"/>
+                  <a:srgbClr val="0432FF"/>
                 </a:solidFill>
                 <a:latin typeface="Courier New" panose="02070309020205020404" pitchFamily="49" charset="0"/>
               </a:rPr>
@@ -5296,7 +5296,7 @@
             <a:r>
               <a:rPr lang="en-US" altLang="zh-CN" sz="2000" b="1" dirty="0">
                 <a:solidFill>
-                  <a:schemeClr val="folHlink"/>
+                  <a:srgbClr val="0432FF"/>
                 </a:solidFill>
                 <a:latin typeface="Courier New" panose="02070309020205020404" pitchFamily="49" charset="0"/>
               </a:rPr>
@@ -5313,7 +5313,7 @@
             </a:pPr>
             <a:endParaRPr lang="en-US" altLang="zh-CN" sz="2000" b="1" dirty="0">
               <a:solidFill>
-                <a:schemeClr val="folHlink"/>
+                <a:srgbClr val="0432FF"/>
               </a:solidFill>
               <a:latin typeface="Courier New" panose="02070309020205020404" pitchFamily="49" charset="0"/>
             </a:endParaRPr>
@@ -5329,7 +5329,7 @@
             <a:r>
               <a:rPr lang="en-US" altLang="zh-CN" sz="2000" b="1" dirty="0">
                 <a:solidFill>
-                  <a:schemeClr val="folHlink"/>
+                  <a:srgbClr val="0432FF"/>
                 </a:solidFill>
                 <a:latin typeface="Courier New" panose="02070309020205020404" pitchFamily="49" charset="0"/>
               </a:rPr>
@@ -5347,7 +5347,7 @@
             <a:r>
               <a:rPr lang="en-US" altLang="zh-CN" sz="2000" b="1" dirty="0">
                 <a:solidFill>
-                  <a:schemeClr val="folHlink"/>
+                  <a:srgbClr val="0432FF"/>
                 </a:solidFill>
                 <a:latin typeface="Courier New" panose="02070309020205020404" pitchFamily="49" charset="0"/>
               </a:rPr>
@@ -5365,7 +5365,7 @@
             <a:r>
               <a:rPr lang="en-US" altLang="zh-CN" sz="2000" b="1" dirty="0">
                 <a:solidFill>
-                  <a:schemeClr val="folHlink"/>
+                  <a:srgbClr val="0432FF"/>
                 </a:solidFill>
                 <a:latin typeface="Courier New" panose="02070309020205020404" pitchFamily="49" charset="0"/>
               </a:rPr>
@@ -5383,7 +5383,7 @@
             <a:r>
               <a:rPr lang="en-US" altLang="zh-CN" sz="2000" b="1" dirty="0">
                 <a:solidFill>
-                  <a:schemeClr val="folHlink"/>
+                  <a:srgbClr val="0432FF"/>
                 </a:solidFill>
                 <a:latin typeface="Courier New" panose="02070309020205020404" pitchFamily="49" charset="0"/>
               </a:rPr>
@@ -5401,7 +5401,7 @@
             <a:r>
               <a:rPr lang="en-US" altLang="zh-CN" sz="2000" b="1" dirty="0">
                 <a:solidFill>
-                  <a:schemeClr val="folHlink"/>
+                  <a:srgbClr val="0432FF"/>
                 </a:solidFill>
                 <a:latin typeface="Courier New" panose="02070309020205020404" pitchFamily="49" charset="0"/>
               </a:rPr>
@@ -5419,7 +5419,7 @@
             <a:r>
               <a:rPr lang="en-US" altLang="zh-CN" sz="2000" b="1" dirty="0">
                 <a:solidFill>
-                  <a:schemeClr val="folHlink"/>
+                  <a:srgbClr val="0432FF"/>
                 </a:solidFill>
                 <a:latin typeface="Courier New" panose="02070309020205020404" pitchFamily="49" charset="0"/>
               </a:rPr>
@@ -5437,7 +5437,7 @@
             <a:r>
               <a:rPr lang="en-US" altLang="zh-CN" sz="2000" b="1" dirty="0">
                 <a:solidFill>
-                  <a:schemeClr val="folHlink"/>
+                  <a:srgbClr val="0432FF"/>
                 </a:solidFill>
                 <a:latin typeface="Courier New" panose="02070309020205020404" pitchFamily="49" charset="0"/>
               </a:rPr>
@@ -5455,7 +5455,7 @@
             <a:r>
               <a:rPr lang="en-US" altLang="zh-CN" sz="2000" b="1" dirty="0">
                 <a:solidFill>
-                  <a:schemeClr val="folHlink"/>
+                  <a:srgbClr val="0432FF"/>
                 </a:solidFill>
                 <a:latin typeface="Courier New" panose="02070309020205020404" pitchFamily="49" charset="0"/>
               </a:rPr>
@@ -5473,7 +5473,7 @@
             <a:r>
               <a:rPr lang="en-US" altLang="zh-CN" sz="2000" b="1" dirty="0">
                 <a:solidFill>
-                  <a:schemeClr val="folHlink"/>
+                  <a:srgbClr val="0432FF"/>
                 </a:solidFill>
                 <a:latin typeface="Courier New" panose="02070309020205020404" pitchFamily="49" charset="0"/>
               </a:rPr>
@@ -5491,7 +5491,7 @@
             <a:r>
               <a:rPr lang="en-US" altLang="zh-CN" sz="2000" b="1" dirty="0">
                 <a:solidFill>
-                  <a:schemeClr val="folHlink"/>
+                  <a:srgbClr val="0432FF"/>
                 </a:solidFill>
                 <a:latin typeface="Courier New" panose="02070309020205020404" pitchFamily="49" charset="0"/>
               </a:rPr>
@@ -5509,7 +5509,7 @@
             <a:r>
               <a:rPr lang="en-US" altLang="zh-CN" sz="2000" b="1" dirty="0">
                 <a:solidFill>
-                  <a:schemeClr val="folHlink"/>
+                  <a:srgbClr val="0432FF"/>
                 </a:solidFill>
                 <a:latin typeface="Courier New" panose="02070309020205020404" pitchFamily="49" charset="0"/>
               </a:rPr>
@@ -5527,7 +5527,7 @@
             <a:r>
               <a:rPr lang="en-US" altLang="zh-CN" sz="2000" b="1" dirty="0">
                 <a:solidFill>
-                  <a:schemeClr val="folHlink"/>
+                  <a:srgbClr val="0432FF"/>
                 </a:solidFill>
                 <a:latin typeface="Courier New" panose="02070309020205020404" pitchFamily="49" charset="0"/>
               </a:rPr>
@@ -5608,7 +5608,7 @@
             <a:r>
               <a:rPr lang="en-US" altLang="zh-CN" sz="2000" b="1" dirty="0">
                 <a:solidFill>
-                  <a:schemeClr val="folHlink"/>
+                  <a:srgbClr val="0432FF"/>
                 </a:solidFill>
                 <a:latin typeface="Courier New" panose="02070309020205020404" pitchFamily="49" charset="0"/>
               </a:rPr>
@@ -5617,7 +5617,7 @@
             <a:r>
               <a:rPr lang="en-US" altLang="zh-CN" sz="2000" b="1" i="1" dirty="0">
                 <a:solidFill>
-                  <a:schemeClr val="folHlink"/>
+                  <a:srgbClr val="0432FF"/>
                 </a:solidFill>
                 <a:latin typeface="Courier New" panose="02070309020205020404" pitchFamily="49" charset="0"/>
               </a:rPr>
@@ -5626,7 +5626,7 @@
             <a:r>
               <a:rPr lang="en-US" altLang="zh-CN" sz="2000" b="1" dirty="0">
                 <a:solidFill>
-                  <a:schemeClr val="folHlink"/>
+                  <a:srgbClr val="0432FF"/>
                 </a:solidFill>
                 <a:latin typeface="Courier New" panose="02070309020205020404" pitchFamily="49" charset="0"/>
               </a:rPr>
@@ -5644,7 +5644,7 @@
             <a:r>
               <a:rPr lang="en-US" altLang="zh-CN" sz="2000" b="1" dirty="0">
                 <a:solidFill>
-                  <a:schemeClr val="folHlink"/>
+                  <a:srgbClr val="0432FF"/>
                 </a:solidFill>
                 <a:latin typeface="Courier New" panose="02070309020205020404" pitchFamily="49" charset="0"/>
               </a:rPr>
@@ -5653,7 +5653,7 @@
             <a:r>
               <a:rPr lang="en-US" altLang="zh-CN" sz="2000" b="1" i="1" dirty="0">
                 <a:solidFill>
-                  <a:schemeClr val="folHlink"/>
+                  <a:srgbClr val="0432FF"/>
                 </a:solidFill>
                 <a:latin typeface="Courier New" panose="02070309020205020404" pitchFamily="49" charset="0"/>
               </a:rPr>
@@ -5662,7 +5662,7 @@
             <a:r>
               <a:rPr lang="en-US" altLang="zh-CN" sz="2000" b="1" dirty="0">
                 <a:solidFill>
-                  <a:schemeClr val="folHlink"/>
+                  <a:srgbClr val="0432FF"/>
                 </a:solidFill>
                 <a:latin typeface="Courier New" panose="02070309020205020404" pitchFamily="49" charset="0"/>
               </a:rPr>
@@ -5679,7 +5679,7 @@
             </a:pPr>
             <a:endParaRPr lang="en-US" altLang="zh-CN" sz="2000" b="1" dirty="0">
               <a:solidFill>
-                <a:schemeClr val="folHlink"/>
+                <a:srgbClr val="0432FF"/>
               </a:solidFill>
               <a:latin typeface="Courier New" panose="02070309020205020404" pitchFamily="49" charset="0"/>
             </a:endParaRPr>
@@ -5695,7 +5695,7 @@
             <a:r>
               <a:rPr lang="en-US" altLang="zh-CN" sz="2000" b="1" dirty="0">
                 <a:solidFill>
-                  <a:schemeClr val="folHlink"/>
+                  <a:srgbClr val="0432FF"/>
                 </a:solidFill>
                 <a:latin typeface="Courier New" panose="02070309020205020404" pitchFamily="49" charset="0"/>
               </a:rPr>
@@ -5704,7 +5704,7 @@
             <a:r>
               <a:rPr lang="en-US" altLang="zh-CN" sz="2000" b="1" i="1" dirty="0">
                 <a:solidFill>
-                  <a:schemeClr val="folHlink"/>
+                  <a:srgbClr val="0432FF"/>
                 </a:solidFill>
                 <a:latin typeface="Courier New" panose="02070309020205020404" pitchFamily="49" charset="0"/>
               </a:rPr>
@@ -5713,7 +5713,7 @@
             <a:r>
               <a:rPr lang="en-US" altLang="zh-CN" sz="2000" b="1" dirty="0">
                 <a:solidFill>
-                  <a:schemeClr val="folHlink"/>
+                  <a:srgbClr val="0432FF"/>
                 </a:solidFill>
                 <a:latin typeface="Courier New" panose="02070309020205020404" pitchFamily="49" charset="0"/>
               </a:rPr>
@@ -5722,7 +5722,7 @@
             <a:r>
               <a:rPr lang="en-US" altLang="zh-CN" sz="2000" b="1" i="1" dirty="0">
                 <a:solidFill>
-                  <a:schemeClr val="folHlink"/>
+                  <a:srgbClr val="0432FF"/>
                 </a:solidFill>
                 <a:latin typeface="Courier New" panose="02070309020205020404" pitchFamily="49" charset="0"/>
               </a:rPr>
@@ -5731,7 +5731,7 @@
             <a:r>
               <a:rPr lang="en-US" altLang="zh-CN" sz="2000" b="1" dirty="0">
                 <a:solidFill>
-                  <a:schemeClr val="folHlink"/>
+                  <a:srgbClr val="0432FF"/>
                 </a:solidFill>
                 <a:latin typeface="Courier New" panose="02070309020205020404" pitchFamily="49" charset="0"/>
               </a:rPr>
@@ -5740,7 +5740,7 @@
             <a:r>
               <a:rPr lang="en-US" altLang="zh-CN" sz="2000" b="1" i="1" dirty="0">
                 <a:solidFill>
-                  <a:schemeClr val="folHlink"/>
+                  <a:srgbClr val="0432FF"/>
                 </a:solidFill>
                 <a:latin typeface="Courier New" panose="02070309020205020404" pitchFamily="49" charset="0"/>
               </a:rPr>
@@ -5749,7 +5749,7 @@
             <a:r>
               <a:rPr lang="en-US" altLang="zh-CN" sz="2000" b="1" dirty="0">
                 <a:solidFill>
-                  <a:schemeClr val="folHlink"/>
+                  <a:srgbClr val="0432FF"/>
                 </a:solidFill>
                 <a:latin typeface="Courier New" panose="02070309020205020404" pitchFamily="49" charset="0"/>
               </a:rPr>
@@ -5767,7 +5767,7 @@
             <a:r>
               <a:rPr lang="en-US" altLang="zh-CN" sz="2000" b="1" dirty="0">
                 <a:solidFill>
-                  <a:schemeClr val="folHlink"/>
+                  <a:srgbClr val="0432FF"/>
                 </a:solidFill>
                 <a:latin typeface="Courier New" panose="02070309020205020404" pitchFamily="49" charset="0"/>
               </a:rPr>
@@ -5776,7 +5776,7 @@
             <a:r>
               <a:rPr lang="en-US" altLang="zh-CN" sz="2000" b="1" i="1" dirty="0">
                 <a:solidFill>
-                  <a:schemeClr val="folHlink"/>
+                  <a:srgbClr val="0432FF"/>
                 </a:solidFill>
                 <a:latin typeface="Courier New" panose="02070309020205020404" pitchFamily="49" charset="0"/>
               </a:rPr>
@@ -5784,6 +5784,9 @@
             </a:r>
             <a:r>
               <a:rPr lang="en-US" altLang="zh-CN" sz="2000" b="1" dirty="0">
+                <a:solidFill>
+                  <a:srgbClr val="0432FF"/>
+                </a:solidFill>
                 <a:latin typeface="Courier New" panose="02070309020205020404" pitchFamily="49" charset="0"/>
               </a:rPr>
               <a:t> </a:t>
@@ -5827,7 +5830,7 @@
             <a:r>
               <a:rPr lang="en-US" altLang="zh-CN" sz="2000" b="1" i="1" dirty="0">
                 <a:solidFill>
-                  <a:schemeClr val="folHlink"/>
+                  <a:srgbClr val="0432FF"/>
                 </a:solidFill>
                 <a:latin typeface="Courier New" panose="02070309020205020404" pitchFamily="49" charset="0"/>
               </a:rPr>
@@ -5836,7 +5839,7 @@
             <a:r>
               <a:rPr lang="en-US" altLang="zh-CN" sz="2000" b="1" dirty="0">
                 <a:solidFill>
-                  <a:schemeClr val="folHlink"/>
+                  <a:srgbClr val="0432FF"/>
                 </a:solidFill>
                 <a:latin typeface="Courier New" panose="02070309020205020404" pitchFamily="49" charset="0"/>
               </a:rPr>
@@ -5854,7 +5857,7 @@
             <a:r>
               <a:rPr lang="en-US" altLang="zh-CN" sz="2000" b="1" dirty="0">
                 <a:solidFill>
-                  <a:schemeClr val="folHlink"/>
+                  <a:srgbClr val="0432FF"/>
                 </a:solidFill>
                 <a:latin typeface="Courier New" panose="02070309020205020404" pitchFamily="49" charset="0"/>
               </a:rPr>
@@ -5863,7 +5866,7 @@
             <a:r>
               <a:rPr lang="en-US" altLang="zh-CN" sz="2000" b="1" i="1" dirty="0">
                 <a:solidFill>
-                  <a:schemeClr val="folHlink"/>
+                  <a:srgbClr val="0432FF"/>
                 </a:solidFill>
                 <a:latin typeface="Courier New" panose="02070309020205020404" pitchFamily="49" charset="0"/>
               </a:rPr>
@@ -5872,11 +5875,11 @@
             <a:r>
               <a:rPr lang="en-US" altLang="zh-CN" sz="2000" b="1" dirty="0">
                 <a:solidFill>
-                  <a:schemeClr val="folHlink"/>
-                </a:solidFill>
-                <a:latin typeface="Courier New" panose="02070309020205020404" pitchFamily="49" charset="0"/>
-              </a:rPr>
-              <a:t>) { </a:t>
+                  <a:srgbClr val="0432FF"/>
+                </a:solidFill>
+                <a:latin typeface="Courier New" panose="02070309020205020404" pitchFamily="49" charset="0"/>
+              </a:rPr>
+              <a:t>){ </a:t>
             </a:r>
           </a:p>
           <a:p>
@@ -5890,7 +5893,7 @@
             <a:r>
               <a:rPr lang="en-US" altLang="zh-CN" sz="2000" b="1" i="1" dirty="0">
                 <a:solidFill>
-                  <a:schemeClr val="folHlink"/>
+                  <a:srgbClr val="0432FF"/>
                 </a:solidFill>
                 <a:latin typeface="Courier New" panose="02070309020205020404" pitchFamily="49" charset="0"/>
               </a:rPr>
@@ -5899,7 +5902,7 @@
             <a:r>
               <a:rPr lang="en-US" altLang="zh-CN" sz="2000" b="1" dirty="0">
                 <a:solidFill>
-                  <a:schemeClr val="folHlink"/>
+                  <a:srgbClr val="0432FF"/>
                 </a:solidFill>
                 <a:latin typeface="Courier New" panose="02070309020205020404" pitchFamily="49" charset="0"/>
               </a:rPr>
@@ -5917,7 +5920,7 @@
             <a:r>
               <a:rPr lang="en-US" altLang="zh-CN" sz="2000" b="1" i="1" dirty="0">
                 <a:solidFill>
-                  <a:schemeClr val="folHlink"/>
+                  <a:srgbClr val="0432FF"/>
                 </a:solidFill>
                 <a:latin typeface="Courier New" panose="02070309020205020404" pitchFamily="49" charset="0"/>
               </a:rPr>
@@ -5926,7 +5929,7 @@
             <a:r>
               <a:rPr lang="en-US" altLang="zh-CN" sz="2000" b="1" dirty="0">
                 <a:solidFill>
-                  <a:schemeClr val="folHlink"/>
+                  <a:srgbClr val="0432FF"/>
                 </a:solidFill>
                 <a:latin typeface="Courier New" panose="02070309020205020404" pitchFamily="49" charset="0"/>
               </a:rPr>
@@ -5944,17 +5947,11 @@
             <a:r>
               <a:rPr lang="en-US" altLang="zh-CN" sz="2000" b="1" dirty="0">
                 <a:solidFill>
-                  <a:schemeClr val="folHlink"/>
-                </a:solidFill>
-                <a:latin typeface="Courier New" panose="02070309020205020404" pitchFamily="49" charset="0"/>
-              </a:rPr>
-              <a:t>}</a:t>
-            </a:r>
-            <a:r>
-              <a:rPr lang="en-US" altLang="zh-CN" sz="2000" b="1" dirty="0">
-                <a:latin typeface="Courier New" panose="02070309020205020404" pitchFamily="49" charset="0"/>
-              </a:rPr>
-              <a:t> </a:t>
+                  <a:srgbClr val="0432FF"/>
+                </a:solidFill>
+                <a:latin typeface="Courier New" panose="02070309020205020404" pitchFamily="49" charset="0"/>
+              </a:rPr>
+              <a:t>} </a:t>
             </a:r>
           </a:p>
         </p:txBody>
@@ -6124,7 +6121,7 @@
             <a:r>
               <a:rPr lang="en-US" altLang="zh-CN" sz="2000" b="1" dirty="0">
                 <a:solidFill>
-                  <a:schemeClr val="folHlink"/>
+                  <a:srgbClr val="0432FF"/>
                 </a:solidFill>
                 <a:latin typeface="Courier New" panose="02070309020205020404" pitchFamily="49" charset="0"/>
               </a:rPr>
@@ -6139,7 +6136,7 @@
             <a:r>
               <a:rPr lang="en-US" altLang="zh-CN" sz="2000" b="1" dirty="0">
                 <a:solidFill>
-                  <a:schemeClr val="folHlink"/>
+                  <a:srgbClr val="0432FF"/>
                 </a:solidFill>
                 <a:latin typeface="Courier New" panose="02070309020205020404" pitchFamily="49" charset="0"/>
               </a:rPr>
@@ -6148,7 +6145,7 @@
             <a:r>
               <a:rPr lang="en-US" altLang="zh-CN" sz="2000" b="1" dirty="0" err="1">
                 <a:solidFill>
-                  <a:schemeClr val="folHlink"/>
+                  <a:srgbClr val="0432FF"/>
                 </a:solidFill>
                 <a:latin typeface="Courier New" panose="02070309020205020404" pitchFamily="49" charset="0"/>
               </a:rPr>
@@ -6157,7 +6154,7 @@
             <a:r>
               <a:rPr lang="en-US" altLang="zh-CN" sz="2000" b="1" dirty="0">
                 <a:solidFill>
-                  <a:schemeClr val="folHlink"/>
+                  <a:srgbClr val="0432FF"/>
                 </a:solidFill>
                 <a:latin typeface="Courier New" panose="02070309020205020404" pitchFamily="49" charset="0"/>
               </a:rPr>
@@ -6166,7 +6163,7 @@
             <a:r>
               <a:rPr lang="en-US" altLang="zh-CN" sz="2000" b="1" dirty="0" err="1">
                 <a:solidFill>
-                  <a:schemeClr val="folHlink"/>
+                  <a:srgbClr val="0432FF"/>
                 </a:solidFill>
                 <a:latin typeface="Courier New" panose="02070309020205020404" pitchFamily="49" charset="0"/>
               </a:rPr>
@@ -6175,7 +6172,7 @@
             <a:r>
               <a:rPr lang="en-US" altLang="zh-CN" sz="2000" b="1" dirty="0">
                 <a:solidFill>
-                  <a:schemeClr val="folHlink"/>
+                  <a:srgbClr val="0432FF"/>
                 </a:solidFill>
                 <a:latin typeface="Courier New" panose="02070309020205020404" pitchFamily="49" charset="0"/>
               </a:rPr>
@@ -6184,7 +6181,7 @@
             <a:r>
               <a:rPr lang="en-US" altLang="zh-CN" sz="2000" b="1" dirty="0" err="1">
                 <a:solidFill>
-                  <a:schemeClr val="folHlink"/>
+                  <a:srgbClr val="0432FF"/>
                 </a:solidFill>
                 <a:latin typeface="Courier New" panose="02070309020205020404" pitchFamily="49" charset="0"/>
               </a:rPr>
@@ -6193,7 +6190,7 @@
             <a:r>
               <a:rPr lang="en-US" altLang="zh-CN" sz="2000" b="1" dirty="0">
                 <a:solidFill>
-                  <a:schemeClr val="folHlink"/>
+                  <a:srgbClr val="0432FF"/>
                 </a:solidFill>
                 <a:latin typeface="Courier New" panose="02070309020205020404" pitchFamily="49" charset="0"/>
               </a:rPr>
@@ -6208,7 +6205,7 @@
             <a:r>
               <a:rPr lang="en-US" altLang="zh-CN" sz="2000" b="1" dirty="0">
                 <a:solidFill>
-                  <a:schemeClr val="folHlink"/>
+                  <a:srgbClr val="0432FF"/>
                 </a:solidFill>
                 <a:latin typeface="Courier New" panose="02070309020205020404" pitchFamily="49" charset="0"/>
               </a:rPr>
@@ -6217,7 +6214,7 @@
             <a:r>
               <a:rPr lang="en-US" altLang="zh-CN" sz="2000" b="1" dirty="0" err="1">
                 <a:solidFill>
-                  <a:schemeClr val="folHlink"/>
+                  <a:srgbClr val="0432FF"/>
                 </a:solidFill>
                 <a:latin typeface="Courier New" panose="02070309020205020404" pitchFamily="49" charset="0"/>
               </a:rPr>
@@ -6226,7 +6223,7 @@
             <a:r>
               <a:rPr lang="en-US" altLang="zh-CN" sz="2000" b="1" dirty="0">
                 <a:solidFill>
-                  <a:schemeClr val="folHlink"/>
+                  <a:srgbClr val="0432FF"/>
                 </a:solidFill>
                 <a:latin typeface="Courier New" panose="02070309020205020404" pitchFamily="49" charset="0"/>
               </a:rPr>
@@ -6241,7 +6238,7 @@
             <a:r>
               <a:rPr lang="en-US" altLang="zh-CN" sz="2000" b="1" dirty="0">
                 <a:solidFill>
-                  <a:schemeClr val="folHlink"/>
+                  <a:srgbClr val="0432FF"/>
                 </a:solidFill>
                 <a:latin typeface="Courier New" panose="02070309020205020404" pitchFamily="49" charset="0"/>
               </a:rPr>
@@ -6256,7 +6253,7 @@
             <a:r>
               <a:rPr lang="en-US" altLang="zh-CN" sz="2000" b="1" dirty="0">
                 <a:solidFill>
-                  <a:schemeClr val="folHlink"/>
+                  <a:srgbClr val="0432FF"/>
                 </a:solidFill>
                 <a:latin typeface="Courier New" panose="02070309020205020404" pitchFamily="49" charset="0"/>
               </a:rPr>
@@ -6271,7 +6268,7 @@
             <a:r>
               <a:rPr lang="en-US" altLang="zh-CN" sz="2000" b="1" dirty="0">
                 <a:solidFill>
-                  <a:schemeClr val="folHlink"/>
+                  <a:srgbClr val="0432FF"/>
                 </a:solidFill>
                 <a:latin typeface="Courier New" panose="02070309020205020404" pitchFamily="49" charset="0"/>
               </a:rPr>
@@ -6286,7 +6283,7 @@
             <a:r>
               <a:rPr lang="en-US" altLang="zh-CN" sz="2000" b="1" dirty="0">
                 <a:solidFill>
-                  <a:schemeClr val="folHlink"/>
+                  <a:srgbClr val="0432FF"/>
                 </a:solidFill>
                 <a:latin typeface="Courier New" panose="02070309020205020404" pitchFamily="49" charset="0"/>
               </a:rPr>
@@ -6294,7 +6291,7 @@
             </a:r>
             <a:endParaRPr lang="en-US" altLang="zh-CN" sz="2000" dirty="0">
               <a:solidFill>
-                <a:schemeClr val="folHlink"/>
+                <a:srgbClr val="0432FF"/>
               </a:solidFill>
             </a:endParaRPr>
           </a:p>
@@ -6540,7 +6537,7 @@
             <a:r>
               <a:rPr lang="en-US" altLang="zh-CN" sz="2000" b="1" dirty="0">
                 <a:solidFill>
-                  <a:schemeClr val="folHlink"/>
+                  <a:srgbClr val="0432FF"/>
                 </a:solidFill>
                 <a:latin typeface="Courier New" panose="02070309020205020404" pitchFamily="49" charset="0"/>
               </a:rPr>
@@ -6555,7 +6552,7 @@
             <a:r>
               <a:rPr lang="en-US" altLang="zh-CN" sz="2000" b="1" dirty="0">
                 <a:solidFill>
-                  <a:schemeClr val="folHlink"/>
+                  <a:srgbClr val="0432FF"/>
                 </a:solidFill>
                 <a:latin typeface="Courier New" panose="02070309020205020404" pitchFamily="49" charset="0"/>
               </a:rPr>
@@ -6564,7 +6561,7 @@
             <a:r>
               <a:rPr lang="en-US" altLang="zh-CN" sz="2000" b="1" dirty="0" err="1">
                 <a:solidFill>
-                  <a:schemeClr val="folHlink"/>
+                  <a:srgbClr val="0432FF"/>
                 </a:solidFill>
                 <a:latin typeface="Courier New" panose="02070309020205020404" pitchFamily="49" charset="0"/>
               </a:rPr>
@@ -6573,7 +6570,7 @@
             <a:r>
               <a:rPr lang="en-US" altLang="zh-CN" sz="2000" b="1" dirty="0">
                 <a:solidFill>
-                  <a:schemeClr val="folHlink"/>
+                  <a:srgbClr val="0432FF"/>
                 </a:solidFill>
                 <a:latin typeface="Courier New" panose="02070309020205020404" pitchFamily="49" charset="0"/>
               </a:rPr>
@@ -6582,7 +6579,7 @@
             <a:r>
               <a:rPr lang="en-US" altLang="zh-CN" sz="2000" b="1" dirty="0" err="1">
                 <a:solidFill>
-                  <a:schemeClr val="folHlink"/>
+                  <a:srgbClr val="0432FF"/>
                 </a:solidFill>
                 <a:latin typeface="Courier New" panose="02070309020205020404" pitchFamily="49" charset="0"/>
               </a:rPr>
@@ -6591,7 +6588,7 @@
             <a:r>
               <a:rPr lang="en-US" altLang="zh-CN" sz="2000" b="1" dirty="0">
                 <a:solidFill>
-                  <a:schemeClr val="folHlink"/>
+                  <a:srgbClr val="0432FF"/>
                 </a:solidFill>
                 <a:latin typeface="Courier New" panose="02070309020205020404" pitchFamily="49" charset="0"/>
               </a:rPr>
@@ -6600,7 +6597,7 @@
             <a:r>
               <a:rPr lang="en-US" altLang="zh-CN" sz="2000" b="1" dirty="0" err="1">
                 <a:solidFill>
-                  <a:schemeClr val="folHlink"/>
+                  <a:srgbClr val="0432FF"/>
                 </a:solidFill>
                 <a:latin typeface="Courier New" panose="02070309020205020404" pitchFamily="49" charset="0"/>
               </a:rPr>
@@ -6609,7 +6606,7 @@
             <a:r>
               <a:rPr lang="en-US" altLang="zh-CN" sz="2000" b="1" dirty="0">
                 <a:solidFill>
-                  <a:schemeClr val="folHlink"/>
+                  <a:srgbClr val="0432FF"/>
                 </a:solidFill>
                 <a:latin typeface="Courier New" panose="02070309020205020404" pitchFamily="49" charset="0"/>
               </a:rPr>
@@ -6624,7 +6621,7 @@
             <a:r>
               <a:rPr lang="en-US" altLang="zh-CN" sz="2000" b="1" dirty="0">
                 <a:solidFill>
-                  <a:schemeClr val="folHlink"/>
+                  <a:srgbClr val="0432FF"/>
                 </a:solidFill>
                 <a:latin typeface="Courier New" panose="02070309020205020404" pitchFamily="49" charset="0"/>
               </a:rPr>
@@ -6633,7 +6630,7 @@
             <a:r>
               <a:rPr lang="en-US" altLang="zh-CN" sz="2000" b="1" dirty="0" err="1">
                 <a:solidFill>
-                  <a:schemeClr val="folHlink"/>
+                  <a:srgbClr val="0432FF"/>
                 </a:solidFill>
                 <a:latin typeface="Courier New" panose="02070309020205020404" pitchFamily="49" charset="0"/>
               </a:rPr>
@@ -6642,7 +6639,7 @@
             <a:r>
               <a:rPr lang="en-US" altLang="zh-CN" sz="2000" b="1" dirty="0">
                 <a:solidFill>
-                  <a:schemeClr val="folHlink"/>
+                  <a:srgbClr val="0432FF"/>
                 </a:solidFill>
                 <a:latin typeface="Courier New" panose="02070309020205020404" pitchFamily="49" charset="0"/>
               </a:rPr>
@@ -6657,7 +6654,7 @@
             <a:r>
               <a:rPr lang="en-US" altLang="zh-CN" sz="2000" b="1" dirty="0">
                 <a:solidFill>
-                  <a:schemeClr val="folHlink"/>
+                  <a:srgbClr val="0432FF"/>
                 </a:solidFill>
                 <a:latin typeface="Courier New" panose="02070309020205020404" pitchFamily="49" charset="0"/>
               </a:rPr>
@@ -6672,7 +6669,7 @@
             <a:r>
               <a:rPr lang="en-US" altLang="zh-CN" sz="2000" b="1" dirty="0">
                 <a:solidFill>
-                  <a:schemeClr val="folHlink"/>
+                  <a:srgbClr val="0432FF"/>
                 </a:solidFill>
                 <a:latin typeface="Courier New" panose="02070309020205020404" pitchFamily="49" charset="0"/>
               </a:rPr>
@@ -6681,7 +6678,7 @@
             <a:r>
               <a:rPr lang="en-US" altLang="zh-CN" sz="2000" b="1" dirty="0" err="1">
                 <a:solidFill>
-                  <a:schemeClr val="folHlink"/>
+                  <a:srgbClr val="0432FF"/>
                 </a:solidFill>
                 <a:latin typeface="Courier New" panose="02070309020205020404" pitchFamily="49" charset="0"/>
               </a:rPr>
@@ -6690,7 +6687,7 @@
             <a:r>
               <a:rPr lang="en-US" altLang="zh-CN" sz="2000" b="1" dirty="0">
                 <a:solidFill>
-                  <a:schemeClr val="folHlink"/>
+                  <a:srgbClr val="0432FF"/>
                 </a:solidFill>
                 <a:latin typeface="Courier New" panose="02070309020205020404" pitchFamily="49" charset="0"/>
               </a:rPr>
@@ -6699,7 +6696,7 @@
             <a:r>
               <a:rPr lang="en-US" altLang="zh-CN" sz="2000" b="1" dirty="0" err="1">
                 <a:solidFill>
-                  <a:schemeClr val="folHlink"/>
+                  <a:srgbClr val="0432FF"/>
                 </a:solidFill>
                 <a:latin typeface="Courier New" panose="02070309020205020404" pitchFamily="49" charset="0"/>
               </a:rPr>
@@ -6708,7 +6705,7 @@
             <a:r>
               <a:rPr lang="en-US" altLang="zh-CN" sz="2000" b="1" dirty="0">
                 <a:solidFill>
-                  <a:schemeClr val="folHlink"/>
+                  <a:srgbClr val="0432FF"/>
                 </a:solidFill>
                 <a:latin typeface="Courier New" panose="02070309020205020404" pitchFamily="49" charset="0"/>
               </a:rPr>
@@ -6723,7 +6720,7 @@
             <a:r>
               <a:rPr lang="en-US" altLang="zh-CN" sz="2000" b="1" dirty="0">
                 <a:solidFill>
-                  <a:schemeClr val="folHlink"/>
+                  <a:srgbClr val="0432FF"/>
                 </a:solidFill>
                 <a:latin typeface="Courier New" panose="02070309020205020404" pitchFamily="49" charset="0"/>
               </a:rPr>
@@ -6972,7 +6969,7 @@
             <a:r>
               <a:rPr lang="en-US" altLang="zh-CN" sz="2000" b="1" dirty="0">
                 <a:solidFill>
-                  <a:schemeClr val="folHlink"/>
+                  <a:srgbClr val="0432FF"/>
                 </a:solidFill>
                 <a:latin typeface="Courier New" panose="02070309020205020404" pitchFamily="49" charset="0"/>
               </a:rPr>
@@ -6987,7 +6984,7 @@
             <a:r>
               <a:rPr lang="en-US" altLang="zh-CN" sz="2000" b="1" dirty="0">
                 <a:solidFill>
-                  <a:schemeClr val="folHlink"/>
+                  <a:srgbClr val="0432FF"/>
                 </a:solidFill>
                 <a:latin typeface="Courier New" panose="02070309020205020404" pitchFamily="49" charset="0"/>
               </a:rPr>
@@ -7002,7 +6999,7 @@
             <a:r>
               <a:rPr lang="en-US" altLang="zh-CN" sz="2000" b="1" dirty="0">
                 <a:solidFill>
-                  <a:schemeClr val="folHlink"/>
+                  <a:srgbClr val="0432FF"/>
                 </a:solidFill>
                 <a:latin typeface="Courier New" panose="02070309020205020404" pitchFamily="49" charset="0"/>
               </a:rPr>
@@ -7017,7 +7014,7 @@
             <a:r>
               <a:rPr lang="en-US" altLang="zh-CN" sz="2000" b="1" dirty="0">
                 <a:solidFill>
-                  <a:schemeClr val="folHlink"/>
+                  <a:srgbClr val="0432FF"/>
                 </a:solidFill>
                 <a:latin typeface="Courier New" panose="02070309020205020404" pitchFamily="49" charset="0"/>
               </a:rPr>
@@ -7026,7 +7023,7 @@
             <a:r>
               <a:rPr lang="en-US" altLang="zh-CN" sz="2000" b="1" dirty="0" err="1">
                 <a:solidFill>
-                  <a:schemeClr val="folHlink"/>
+                  <a:srgbClr val="0432FF"/>
                 </a:solidFill>
                 <a:latin typeface="Courier New" panose="02070309020205020404" pitchFamily="49" charset="0"/>
               </a:rPr>
@@ -7035,7 +7032,7 @@
             <a:r>
               <a:rPr lang="en-US" altLang="zh-CN" sz="2000" b="1" dirty="0">
                 <a:solidFill>
-                  <a:schemeClr val="folHlink"/>
+                  <a:srgbClr val="0432FF"/>
                 </a:solidFill>
                 <a:latin typeface="Courier New" panose="02070309020205020404" pitchFamily="49" charset="0"/>
               </a:rPr>
@@ -7050,7 +7047,7 @@
             <a:r>
               <a:rPr lang="en-US" altLang="zh-CN" sz="2000" b="1" dirty="0">
                 <a:solidFill>
-                  <a:schemeClr val="folHlink"/>
+                  <a:srgbClr val="0432FF"/>
                 </a:solidFill>
                 <a:latin typeface="Courier New" panose="02070309020205020404" pitchFamily="49" charset="0"/>
               </a:rPr>
@@ -7065,7 +7062,7 @@
             <a:r>
               <a:rPr lang="en-US" altLang="zh-CN" sz="2000" b="1" dirty="0">
                 <a:solidFill>
-                  <a:schemeClr val="folHlink"/>
+                  <a:srgbClr val="0432FF"/>
                 </a:solidFill>
                 <a:latin typeface="Courier New" panose="02070309020205020404" pitchFamily="49" charset="0"/>
               </a:rPr>
@@ -7080,7 +7077,7 @@
             <a:r>
               <a:rPr lang="en-US" altLang="zh-CN" sz="2000" b="1" dirty="0">
                 <a:solidFill>
-                  <a:schemeClr val="folHlink"/>
+                  <a:srgbClr val="0432FF"/>
                 </a:solidFill>
                 <a:latin typeface="Courier New" panose="02070309020205020404" pitchFamily="49" charset="0"/>
               </a:rPr>
@@ -7095,7 +7092,7 @@
             <a:r>
               <a:rPr lang="en-US" altLang="zh-CN" sz="2000" b="1" dirty="0">
                 <a:solidFill>
-                  <a:schemeClr val="folHlink"/>
+                  <a:srgbClr val="0432FF"/>
                 </a:solidFill>
                 <a:latin typeface="Courier New" panose="02070309020205020404" pitchFamily="49" charset="0"/>
               </a:rPr>
@@ -7104,7 +7101,7 @@
             <a:r>
               <a:rPr lang="en-US" altLang="zh-CN" sz="2000" b="1" i="1" dirty="0">
                 <a:solidFill>
-                  <a:schemeClr val="folHlink"/>
+                  <a:srgbClr val="0432FF"/>
                 </a:solidFill>
                 <a:latin typeface="Courier New" panose="02070309020205020404" pitchFamily="49" charset="0"/>
               </a:rPr>
@@ -7207,28 +7204,34 @@
           <a:p>
             <a:pPr lvl="1"/>
             <a:r>
+              <a:rPr lang="en-US" altLang="zh-CN" dirty="0"/>
+              <a:t>So should use it rarely, but this is C…</a:t>
+            </a:r>
+          </a:p>
+          <a:p>
+            <a:r>
               <a:rPr lang="en-US" altLang="zh-CN"/>
-              <a:t>So should use </a:t>
+              <a:t>We</a:t>
+            </a:r>
+            <a:r>
+              <a:rPr lang="zh-CN" altLang="en-US">
+                <a:latin typeface="Arial" panose="020B0604020202020204" pitchFamily="34" charset="0"/>
+              </a:rPr>
+              <a:t> </a:t>
+            </a:r>
+            <a:r>
+              <a:rPr lang="en-US" altLang="zh-CN">
+                <a:latin typeface="Arial" panose="020B0604020202020204" pitchFamily="34" charset="0"/>
+              </a:rPr>
+              <a:t>will</a:t>
+            </a:r>
+            <a:r>
+              <a:rPr lang="en-US" altLang="zh-CN"/>
+              <a:t> </a:t>
             </a:r>
             <a:r>
               <a:rPr lang="en-US" altLang="zh-CN" dirty="0"/>
-              <a:t>it rarely, but this is C…</a:t>
-            </a:r>
-          </a:p>
-          <a:p>
-            <a:r>
-              <a:rPr lang="en-US" altLang="zh-CN" dirty="0"/>
-              <a:t>We</a:t>
-            </a:r>
-            <a:r>
-              <a:rPr lang="en-US" altLang="zh-CN" dirty="0">
-                <a:latin typeface="Arial" panose="020B0604020202020204" pitchFamily="34" charset="0"/>
-              </a:rPr>
-              <a:t>’</a:t>
-            </a:r>
-            <a:r>
-              <a:rPr lang="en-US" altLang="zh-CN" dirty="0"/>
-              <a:t>d discuss another (and yet more powerful) form of </a:t>
+              <a:t>discuss another (and yet more powerful) form of </a:t>
             </a:r>
             <a:r>
               <a:rPr lang="en-US" altLang="zh-CN" dirty="0">
@@ -7460,7 +7463,7 @@
             </a:pPr>
             <a:r>
               <a:rPr lang="en-US" altLang="zh-CN" sz="2400" dirty="0"/>
-              <a:t>Ex:</a:t>
+              <a:t>E.g.:</a:t>
             </a:r>
           </a:p>
           <a:p>
@@ -7472,7 +7475,7 @@
             <a:r>
               <a:rPr lang="en-US" altLang="zh-CN" sz="2000" dirty="0">
                 <a:solidFill>
-                  <a:schemeClr val="folHlink"/>
+                  <a:srgbClr val="0432FF"/>
                 </a:solidFill>
               </a:rPr>
               <a:t>x = 9;</a:t>
@@ -7487,7 +7490,7 @@
             <a:r>
               <a:rPr lang="en-US" altLang="zh-CN" sz="2000" dirty="0" err="1">
                 <a:solidFill>
-                  <a:schemeClr val="folHlink"/>
+                  <a:srgbClr val="0432FF"/>
                 </a:solidFill>
               </a:rPr>
               <a:t>printf</a:t>
@@ -7495,7 +7498,7 @@
             <a:r>
               <a:rPr lang="en-US" altLang="zh-CN" sz="2000" dirty="0">
                 <a:solidFill>
-                  <a:schemeClr val="folHlink"/>
+                  <a:srgbClr val="0432FF"/>
                 </a:solidFill>
               </a:rPr>
               <a:t>(</a:t>
@@ -7503,7 +7506,7 @@
             <a:r>
               <a:rPr lang="en-US" altLang="zh-CN" sz="2000" dirty="0">
                 <a:solidFill>
-                  <a:schemeClr val="folHlink"/>
+                  <a:srgbClr val="0432FF"/>
                 </a:solidFill>
                 <a:latin typeface="Arial" panose="020B0604020202020204" pitchFamily="34" charset="0"/>
               </a:rPr>
@@ -7512,7 +7515,7 @@
             <a:r>
               <a:rPr lang="en-US" altLang="zh-CN" sz="2000" dirty="0">
                 <a:solidFill>
-                  <a:schemeClr val="folHlink"/>
+                  <a:srgbClr val="0432FF"/>
                 </a:solidFill>
               </a:rPr>
               <a:t>hello, world\n</a:t>
@@ -7520,7 +7523,7 @@
             <a:r>
               <a:rPr lang="en-US" altLang="zh-CN" sz="2000" dirty="0">
                 <a:solidFill>
-                  <a:schemeClr val="folHlink"/>
+                  <a:srgbClr val="0432FF"/>
                 </a:solidFill>
                 <a:latin typeface="Arial" panose="020B0604020202020204" pitchFamily="34" charset="0"/>
               </a:rPr>
@@ -7529,7 +7532,7 @@
             <a:r>
               <a:rPr lang="en-US" altLang="zh-CN" sz="2000" dirty="0">
                 <a:solidFill>
-                  <a:schemeClr val="folHlink"/>
+                  <a:srgbClr val="0432FF"/>
                 </a:solidFill>
               </a:rPr>
               <a:t>);</a:t>
@@ -7664,7 +7667,7 @@
             <a:r>
               <a:rPr lang="en-US" altLang="zh-CN" sz="2000" b="1" dirty="0">
                 <a:solidFill>
-                  <a:schemeClr val="folHlink"/>
+                  <a:srgbClr val="0432FF"/>
                 </a:solidFill>
                 <a:latin typeface="Courier New" panose="02070309020205020404" pitchFamily="49" charset="0"/>
               </a:rPr>
@@ -7673,7 +7676,7 @@
             <a:r>
               <a:rPr lang="en-US" altLang="zh-CN" sz="2000" b="1" i="1" dirty="0">
                 <a:solidFill>
-                  <a:schemeClr val="folHlink"/>
+                  <a:srgbClr val="0432FF"/>
                 </a:solidFill>
                 <a:latin typeface="Courier New" panose="02070309020205020404" pitchFamily="49" charset="0"/>
               </a:rPr>
@@ -7682,7 +7685,7 @@
             <a:r>
               <a:rPr lang="en-US" altLang="zh-CN" sz="2000" b="1" dirty="0">
                 <a:solidFill>
-                  <a:schemeClr val="folHlink"/>
+                  <a:srgbClr val="0432FF"/>
                 </a:solidFill>
                 <a:latin typeface="Courier New" panose="02070309020205020404" pitchFamily="49" charset="0"/>
               </a:rPr>
@@ -7700,7 +7703,7 @@
             <a:r>
               <a:rPr lang="en-US" altLang="zh-CN" sz="2000" b="1" i="1" dirty="0">
                 <a:solidFill>
-                  <a:schemeClr val="folHlink"/>
+                  <a:srgbClr val="0432FF"/>
                 </a:solidFill>
                 <a:latin typeface="Courier New" panose="02070309020205020404" pitchFamily="49" charset="0"/>
               </a:rPr>
@@ -7709,7 +7712,7 @@
             <a:r>
               <a:rPr lang="en-US" altLang="zh-CN" sz="2000" b="1" dirty="0">
                 <a:solidFill>
-                  <a:schemeClr val="folHlink"/>
+                  <a:srgbClr val="0432FF"/>
                 </a:solidFill>
                 <a:latin typeface="Courier New" panose="02070309020205020404" pitchFamily="49" charset="0"/>
               </a:rPr>
@@ -7727,7 +7730,7 @@
             <a:r>
               <a:rPr lang="en-US" altLang="zh-CN" sz="2000" b="1" dirty="0">
                 <a:solidFill>
-                  <a:schemeClr val="folHlink"/>
+                  <a:srgbClr val="0432FF"/>
                 </a:solidFill>
                 <a:latin typeface="Courier New" panose="02070309020205020404" pitchFamily="49" charset="0"/>
               </a:rPr>
@@ -7745,7 +7748,7 @@
             <a:r>
               <a:rPr lang="en-US" altLang="zh-CN" sz="2000" b="1" i="1" dirty="0">
                 <a:solidFill>
-                  <a:schemeClr val="folHlink"/>
+                  <a:srgbClr val="0432FF"/>
                 </a:solidFill>
                 <a:latin typeface="Courier New" panose="02070309020205020404" pitchFamily="49" charset="0"/>
               </a:rPr>
@@ -7790,7 +7793,7 @@
             <a:r>
               <a:rPr lang="en-US" altLang="zh-CN" sz="2000" b="1" dirty="0">
                 <a:solidFill>
-                  <a:schemeClr val="folHlink"/>
+                  <a:srgbClr val="0432FF"/>
                 </a:solidFill>
                 <a:latin typeface="Courier New" panose="02070309020205020404" pitchFamily="49" charset="0"/>
               </a:rPr>
@@ -7808,7 +7811,7 @@
             <a:r>
               <a:rPr lang="en-US" altLang="zh-CN" sz="2000" b="1" dirty="0">
                 <a:solidFill>
-                  <a:schemeClr val="folHlink"/>
+                  <a:srgbClr val="0432FF"/>
                 </a:solidFill>
                 <a:latin typeface="Courier New" panose="02070309020205020404" pitchFamily="49" charset="0"/>
               </a:rPr>
@@ -7817,7 +7820,7 @@
             <a:r>
               <a:rPr lang="en-US" altLang="zh-CN" sz="2000" b="1" dirty="0" err="1">
                 <a:solidFill>
-                  <a:schemeClr val="folHlink"/>
+                  <a:srgbClr val="0432FF"/>
                 </a:solidFill>
                 <a:latin typeface="Courier New" panose="02070309020205020404" pitchFamily="49" charset="0"/>
               </a:rPr>
@@ -7826,7 +7829,7 @@
             <a:r>
               <a:rPr lang="en-US" altLang="zh-CN" sz="2000" b="1" dirty="0">
                 <a:solidFill>
-                  <a:schemeClr val="folHlink"/>
+                  <a:srgbClr val="0432FF"/>
                 </a:solidFill>
                 <a:latin typeface="Courier New" panose="02070309020205020404" pitchFamily="49" charset="0"/>
               </a:rPr>
@@ -7844,7 +7847,7 @@
             <a:r>
               <a:rPr lang="en-US" altLang="zh-CN" sz="2000" b="1" dirty="0">
                 <a:solidFill>
-                  <a:schemeClr val="folHlink"/>
+                  <a:srgbClr val="0432FF"/>
                 </a:solidFill>
                 <a:latin typeface="Courier New" panose="02070309020205020404" pitchFamily="49" charset="0"/>
               </a:rPr>
@@ -7862,7 +7865,7 @@
             <a:r>
               <a:rPr lang="en-US" altLang="zh-CN" sz="1800" b="1" dirty="0">
                 <a:solidFill>
-                  <a:schemeClr val="folHlink"/>
+                  <a:srgbClr val="0432FF"/>
                 </a:solidFill>
                 <a:latin typeface="Courier New" panose="02070309020205020404" pitchFamily="49" charset="0"/>
               </a:rPr>
@@ -7871,7 +7874,7 @@
             <a:r>
               <a:rPr lang="en-US" altLang="zh-CN" sz="2000" b="1" dirty="0" err="1">
                 <a:solidFill>
-                  <a:schemeClr val="folHlink"/>
+                  <a:srgbClr val="0432FF"/>
                 </a:solidFill>
                 <a:latin typeface="Courier New" panose="02070309020205020404" pitchFamily="49" charset="0"/>
               </a:rPr>
@@ -7880,7 +7883,7 @@
             <a:r>
               <a:rPr lang="en-US" altLang="zh-CN" sz="2000" b="1" dirty="0">
                 <a:solidFill>
-                  <a:schemeClr val="folHlink"/>
+                  <a:srgbClr val="0432FF"/>
                 </a:solidFill>
                 <a:latin typeface="Courier New" panose="02070309020205020404" pitchFamily="49" charset="0"/>
               </a:rPr>
@@ -7888,7 +7891,7 @@
             </a:r>
             <a:endParaRPr lang="en-US" altLang="zh-CN" sz="1800" b="1" dirty="0">
               <a:solidFill>
-                <a:schemeClr val="folHlink"/>
+                <a:srgbClr val="0432FF"/>
               </a:solidFill>
               <a:latin typeface="Courier New" panose="02070309020205020404" pitchFamily="49" charset="0"/>
             </a:endParaRPr>
@@ -7970,7 +7973,7 @@
             <a:r>
               <a:rPr lang="en-US" altLang="zh-CN" sz="2000" b="1" dirty="0">
                 <a:solidFill>
-                  <a:schemeClr val="folHlink"/>
+                  <a:srgbClr val="0432FF"/>
                 </a:solidFill>
                 <a:latin typeface="Courier New" panose="02070309020205020404" pitchFamily="49" charset="0"/>
               </a:rPr>
@@ -7979,7 +7982,7 @@
             <a:r>
               <a:rPr lang="en-US" altLang="zh-CN" sz="2000" b="1" i="1" dirty="0">
                 <a:solidFill>
-                  <a:schemeClr val="folHlink"/>
+                  <a:srgbClr val="0432FF"/>
                 </a:solidFill>
                 <a:latin typeface="Courier New" panose="02070309020205020404" pitchFamily="49" charset="0"/>
               </a:rPr>
@@ -7988,7 +7991,7 @@
             <a:r>
               <a:rPr lang="en-US" altLang="zh-CN" sz="2000" b="1" dirty="0">
                 <a:solidFill>
-                  <a:schemeClr val="folHlink"/>
+                  <a:srgbClr val="0432FF"/>
                 </a:solidFill>
                 <a:latin typeface="Courier New" panose="02070309020205020404" pitchFamily="49" charset="0"/>
               </a:rPr>
@@ -8003,7 +8006,7 @@
             <a:r>
               <a:rPr lang="en-US" altLang="zh-CN" sz="2000" b="1" i="1" dirty="0">
                 <a:solidFill>
-                  <a:schemeClr val="folHlink"/>
+                  <a:srgbClr val="0432FF"/>
                 </a:solidFill>
                 <a:latin typeface="Courier New" panose="02070309020205020404" pitchFamily="49" charset="0"/>
               </a:rPr>
@@ -8051,7 +8054,7 @@
             <a:r>
               <a:rPr lang="en-US" altLang="zh-CN" sz="2000" b="1" dirty="0">
                 <a:solidFill>
-                  <a:schemeClr val="folHlink"/>
+                  <a:srgbClr val="0432FF"/>
                 </a:solidFill>
                 <a:latin typeface="Courier New" panose="02070309020205020404" pitchFamily="49" charset="0"/>
               </a:rPr>
@@ -8066,7 +8069,7 @@
             <a:r>
               <a:rPr lang="en-US" altLang="zh-CN" sz="2000" b="1" dirty="0">
                 <a:solidFill>
-                  <a:schemeClr val="folHlink"/>
+                  <a:srgbClr val="0432FF"/>
                 </a:solidFill>
                 <a:latin typeface="Courier New" panose="02070309020205020404" pitchFamily="49" charset="0"/>
               </a:rPr>
@@ -8075,7 +8078,7 @@
             <a:r>
               <a:rPr lang="en-US" altLang="zh-CN" sz="2000" b="1" dirty="0" err="1">
                 <a:solidFill>
-                  <a:schemeClr val="folHlink"/>
+                  <a:srgbClr val="0432FF"/>
                 </a:solidFill>
                 <a:latin typeface="Courier New" panose="02070309020205020404" pitchFamily="49" charset="0"/>
               </a:rPr>
@@ -8084,7 +8087,7 @@
             <a:r>
               <a:rPr lang="en-US" altLang="zh-CN" sz="2000" b="1" dirty="0">
                 <a:solidFill>
-                  <a:schemeClr val="folHlink"/>
+                  <a:srgbClr val="0432FF"/>
                 </a:solidFill>
                 <a:latin typeface="Courier New" panose="02070309020205020404" pitchFamily="49" charset="0"/>
               </a:rPr>
@@ -8180,7 +8183,7 @@
             <a:r>
               <a:rPr lang="en-US" altLang="zh-CN" sz="2000" b="1" dirty="0">
                 <a:solidFill>
-                  <a:schemeClr val="folHlink"/>
+                  <a:srgbClr val="0432FF"/>
                 </a:solidFill>
                 <a:latin typeface="Courier New" panose="02070309020205020404" pitchFamily="49" charset="0"/>
               </a:rPr>
@@ -8198,7 +8201,7 @@
             <a:r>
               <a:rPr lang="en-US" altLang="zh-CN" sz="2000" b="1" dirty="0">
                 <a:solidFill>
-                  <a:schemeClr val="folHlink"/>
+                  <a:srgbClr val="0432FF"/>
                 </a:solidFill>
                 <a:latin typeface="Courier New" panose="02070309020205020404" pitchFamily="49" charset="0"/>
               </a:rPr>
@@ -8216,7 +8219,7 @@
             <a:r>
               <a:rPr lang="en-US" altLang="zh-CN" sz="2000" b="1" dirty="0">
                 <a:solidFill>
-                  <a:schemeClr val="folHlink"/>
+                  <a:srgbClr val="0432FF"/>
                 </a:solidFill>
                 <a:latin typeface="Courier New" panose="02070309020205020404" pitchFamily="49" charset="0"/>
               </a:rPr>
@@ -8225,7 +8228,7 @@
             <a:r>
               <a:rPr lang="en-US" altLang="zh-CN" sz="2000" b="1" dirty="0" err="1">
                 <a:solidFill>
-                  <a:schemeClr val="folHlink"/>
+                  <a:srgbClr val="0432FF"/>
                 </a:solidFill>
                 <a:latin typeface="Courier New" panose="02070309020205020404" pitchFamily="49" charset="0"/>
               </a:rPr>
@@ -8234,7 +8237,7 @@
             <a:r>
               <a:rPr lang="en-US" altLang="zh-CN" sz="2000" b="1" dirty="0">
                 <a:solidFill>
-                  <a:schemeClr val="folHlink"/>
+                  <a:srgbClr val="0432FF"/>
                 </a:solidFill>
                 <a:latin typeface="Courier New" panose="02070309020205020404" pitchFamily="49" charset="0"/>
               </a:rPr>
@@ -8252,7 +8255,7 @@
             <a:r>
               <a:rPr lang="en-US" altLang="zh-CN" sz="2000" b="1" dirty="0">
                 <a:solidFill>
-                  <a:schemeClr val="folHlink"/>
+                  <a:srgbClr val="0432FF"/>
                 </a:solidFill>
                 <a:latin typeface="Courier New" panose="02070309020205020404" pitchFamily="49" charset="0"/>
               </a:rPr>
@@ -8270,7 +8273,7 @@
             <a:r>
               <a:rPr lang="en-US" altLang="zh-CN" sz="2000" b="1" dirty="0">
                 <a:solidFill>
-                  <a:schemeClr val="folHlink"/>
+                  <a:srgbClr val="0432FF"/>
                 </a:solidFill>
                 <a:latin typeface="Courier New" panose="02070309020205020404" pitchFamily="49" charset="0"/>
               </a:rPr>
@@ -8279,7 +8282,7 @@
             <a:r>
               <a:rPr lang="en-US" altLang="zh-CN" sz="2000" b="1" dirty="0" err="1">
                 <a:solidFill>
-                  <a:schemeClr val="folHlink"/>
+                  <a:srgbClr val="0432FF"/>
                 </a:solidFill>
                 <a:latin typeface="Courier New" panose="02070309020205020404" pitchFamily="49" charset="0"/>
               </a:rPr>
@@ -8288,7 +8291,7 @@
             <a:r>
               <a:rPr lang="en-US" altLang="zh-CN" sz="2000" b="1" dirty="0">
                 <a:solidFill>
-                  <a:schemeClr val="folHlink"/>
+                  <a:srgbClr val="0432FF"/>
                 </a:solidFill>
                 <a:latin typeface="Courier New" panose="02070309020205020404" pitchFamily="49" charset="0"/>
               </a:rPr>
@@ -8468,7 +8471,7 @@
             <a:r>
               <a:rPr lang="en-US" altLang="zh-CN" sz="2000" b="1" dirty="0">
                 <a:solidFill>
-                  <a:schemeClr val="folHlink"/>
+                  <a:srgbClr val="0432FF"/>
                 </a:solidFill>
                 <a:latin typeface="Courier New" panose="02070309020205020404" pitchFamily="49" charset="0"/>
               </a:rPr>
@@ -8483,7 +8486,7 @@
             <a:r>
               <a:rPr lang="en-US" altLang="zh-CN" sz="2000" b="1" dirty="0">
                 <a:solidFill>
-                  <a:schemeClr val="folHlink"/>
+                  <a:srgbClr val="0432FF"/>
                 </a:solidFill>
                 <a:latin typeface="Courier New" panose="02070309020205020404" pitchFamily="49" charset="0"/>
               </a:rPr>
@@ -8498,7 +8501,7 @@
             <a:r>
               <a:rPr lang="en-US" altLang="zh-CN" sz="2000" b="1" dirty="0">
                 <a:solidFill>
-                  <a:schemeClr val="folHlink"/>
+                  <a:srgbClr val="0432FF"/>
                 </a:solidFill>
                 <a:latin typeface="Courier New" panose="02070309020205020404" pitchFamily="49" charset="0"/>
               </a:rPr>
@@ -8507,7 +8510,7 @@
             <a:r>
               <a:rPr lang="en-US" altLang="zh-CN" sz="2000" b="1" dirty="0" err="1">
                 <a:solidFill>
-                  <a:schemeClr val="folHlink"/>
+                  <a:srgbClr val="0432FF"/>
                 </a:solidFill>
                 <a:latin typeface="Courier New" panose="02070309020205020404" pitchFamily="49" charset="0"/>
               </a:rPr>
@@ -8516,7 +8519,7 @@
             <a:r>
               <a:rPr lang="en-US" altLang="zh-CN" sz="2000" b="1" dirty="0">
                 <a:solidFill>
-                  <a:schemeClr val="folHlink"/>
+                  <a:srgbClr val="0432FF"/>
                 </a:solidFill>
                 <a:latin typeface="Courier New" panose="02070309020205020404" pitchFamily="49" charset="0"/>
               </a:rPr>
@@ -8531,7 +8534,7 @@
             <a:r>
               <a:rPr lang="en-US" altLang="zh-CN" sz="2000" b="1" dirty="0">
                 <a:solidFill>
-                  <a:schemeClr val="folHlink"/>
+                  <a:srgbClr val="0432FF"/>
                 </a:solidFill>
                 <a:latin typeface="Courier New" panose="02070309020205020404" pitchFamily="49" charset="0"/>
               </a:rPr>
@@ -8546,7 +8549,7 @@
             <a:r>
               <a:rPr lang="en-US" altLang="zh-CN" sz="2000" b="1" dirty="0">
                 <a:solidFill>
-                  <a:schemeClr val="folHlink"/>
+                  <a:srgbClr val="0432FF"/>
                 </a:solidFill>
                 <a:latin typeface="Courier New" panose="02070309020205020404" pitchFamily="49" charset="0"/>
               </a:rPr>
@@ -8561,7 +8564,7 @@
             <a:r>
               <a:rPr lang="en-US" altLang="zh-CN" sz="2000" b="1" dirty="0">
                 <a:solidFill>
-                  <a:schemeClr val="folHlink"/>
+                  <a:srgbClr val="0432FF"/>
                 </a:solidFill>
                 <a:latin typeface="Courier New" panose="02070309020205020404" pitchFamily="49" charset="0"/>
               </a:rPr>
@@ -8570,7 +8573,7 @@
             <a:r>
               <a:rPr lang="en-US" altLang="zh-CN" sz="2000" b="1" dirty="0" err="1">
                 <a:solidFill>
-                  <a:schemeClr val="folHlink"/>
+                  <a:srgbClr val="0432FF"/>
                 </a:solidFill>
                 <a:latin typeface="Courier New" panose="02070309020205020404" pitchFamily="49" charset="0"/>
               </a:rPr>
@@ -8579,7 +8582,7 @@
             <a:r>
               <a:rPr lang="en-US" altLang="zh-CN" sz="2000" b="1" dirty="0">
                 <a:solidFill>
-                  <a:schemeClr val="folHlink"/>
+                  <a:srgbClr val="0432FF"/>
                 </a:solidFill>
                 <a:latin typeface="Courier New" panose="02070309020205020404" pitchFamily="49" charset="0"/>
               </a:rPr>
@@ -8675,7 +8678,7 @@
             <a:r>
               <a:rPr lang="en-US" altLang="zh-CN" sz="2000" b="1" dirty="0">
                 <a:solidFill>
-                  <a:schemeClr val="folHlink"/>
+                  <a:srgbClr val="0432FF"/>
                 </a:solidFill>
                 <a:latin typeface="Courier New" panose="02070309020205020404" pitchFamily="49" charset="0"/>
               </a:rPr>
@@ -8693,7 +8696,7 @@
             <a:r>
               <a:rPr lang="en-US" altLang="zh-CN" sz="2000" b="1" dirty="0">
                 <a:solidFill>
-                  <a:schemeClr val="folHlink"/>
+                  <a:srgbClr val="0432FF"/>
                 </a:solidFill>
                 <a:latin typeface="Courier New" panose="02070309020205020404" pitchFamily="49" charset="0"/>
               </a:rPr>
@@ -8711,7 +8714,7 @@
             <a:r>
               <a:rPr lang="en-US" altLang="zh-CN" sz="2000" b="1" dirty="0">
                 <a:solidFill>
-                  <a:schemeClr val="folHlink"/>
+                  <a:srgbClr val="0432FF"/>
                 </a:solidFill>
                 <a:latin typeface="Courier New" panose="02070309020205020404" pitchFamily="49" charset="0"/>
               </a:rPr>
@@ -8720,7 +8723,7 @@
             <a:r>
               <a:rPr lang="en-US" altLang="zh-CN" sz="2000" b="1" dirty="0" err="1">
                 <a:solidFill>
-                  <a:schemeClr val="folHlink"/>
+                  <a:srgbClr val="0432FF"/>
                 </a:solidFill>
                 <a:latin typeface="Courier New" panose="02070309020205020404" pitchFamily="49" charset="0"/>
               </a:rPr>
@@ -8729,7 +8732,7 @@
             <a:r>
               <a:rPr lang="en-US" altLang="zh-CN" sz="2000" b="1" dirty="0">
                 <a:solidFill>
-                  <a:schemeClr val="folHlink"/>
+                  <a:srgbClr val="0432FF"/>
                 </a:solidFill>
                 <a:latin typeface="Courier New" panose="02070309020205020404" pitchFamily="49" charset="0"/>
               </a:rPr>
@@ -8747,7 +8750,7 @@
             <a:r>
               <a:rPr lang="en-US" altLang="zh-CN" sz="2000" b="1" dirty="0">
                 <a:solidFill>
-                  <a:schemeClr val="folHlink"/>
+                  <a:srgbClr val="0432FF"/>
                 </a:solidFill>
                 <a:latin typeface="Courier New" panose="02070309020205020404" pitchFamily="49" charset="0"/>
               </a:rPr>
@@ -8765,7 +8768,7 @@
             <a:r>
               <a:rPr lang="en-US" altLang="zh-CN" sz="2000" b="1" dirty="0">
                 <a:solidFill>
-                  <a:schemeClr val="folHlink"/>
+                  <a:srgbClr val="0432FF"/>
                 </a:solidFill>
                 <a:latin typeface="Courier New" panose="02070309020205020404" pitchFamily="49" charset="0"/>
               </a:rPr>
@@ -8783,7 +8786,7 @@
             <a:r>
               <a:rPr lang="en-US" altLang="zh-CN" sz="2000" b="1" dirty="0">
                 <a:solidFill>
-                  <a:schemeClr val="folHlink"/>
+                  <a:srgbClr val="0432FF"/>
                 </a:solidFill>
                 <a:latin typeface="Courier New" panose="02070309020205020404" pitchFamily="49" charset="0"/>
               </a:rPr>
@@ -8792,7 +8795,7 @@
             <a:r>
               <a:rPr lang="en-US" altLang="zh-CN" sz="2000" b="1" dirty="0" err="1">
                 <a:solidFill>
-                  <a:schemeClr val="folHlink"/>
+                  <a:srgbClr val="0432FF"/>
                 </a:solidFill>
                 <a:latin typeface="Courier New" panose="02070309020205020404" pitchFamily="49" charset="0"/>
               </a:rPr>
@@ -8801,7 +8804,7 @@
             <a:r>
               <a:rPr lang="en-US" altLang="zh-CN" sz="2000" b="1" dirty="0">
                 <a:solidFill>
-                  <a:schemeClr val="folHlink"/>
+                  <a:srgbClr val="0432FF"/>
                 </a:solidFill>
                 <a:latin typeface="Courier New" panose="02070309020205020404" pitchFamily="49" charset="0"/>
               </a:rPr>
@@ -8960,7 +8963,7 @@
             <a:r>
               <a:rPr lang="en-US" altLang="zh-CN" sz="2000" b="1" dirty="0">
                 <a:solidFill>
-                  <a:schemeClr val="folHlink"/>
+                  <a:srgbClr val="0432FF"/>
                 </a:solidFill>
                 <a:latin typeface="Courier New" panose="02070309020205020404" pitchFamily="49" charset="0"/>
               </a:rPr>
@@ -8969,7 +8972,7 @@
             <a:r>
               <a:rPr lang="en-US" altLang="zh-CN" sz="2000" b="1" i="1" dirty="0">
                 <a:solidFill>
-                  <a:schemeClr val="folHlink"/>
+                  <a:srgbClr val="0432FF"/>
                 </a:solidFill>
                 <a:latin typeface="Courier New" panose="02070309020205020404" pitchFamily="49" charset="0"/>
               </a:rPr>
@@ -8978,7 +8981,7 @@
             <a:r>
               <a:rPr lang="en-US" altLang="zh-CN" sz="2000" b="1" dirty="0">
                 <a:solidFill>
-                  <a:schemeClr val="folHlink"/>
+                  <a:srgbClr val="0432FF"/>
                 </a:solidFill>
                 <a:latin typeface="Courier New" panose="02070309020205020404" pitchFamily="49" charset="0"/>
               </a:rPr>
@@ -8993,7 +8996,7 @@
             <a:r>
               <a:rPr lang="en-US" altLang="zh-CN" sz="2000" b="1" i="1" dirty="0">
                 <a:solidFill>
-                  <a:schemeClr val="folHlink"/>
+                  <a:srgbClr val="0432FF"/>
                 </a:solidFill>
                 <a:latin typeface="Courier New" panose="02070309020205020404" pitchFamily="49" charset="0"/>
               </a:rPr>
@@ -9002,7 +9005,7 @@
             <a:r>
               <a:rPr lang="en-US" altLang="zh-CN" sz="2000" b="1" dirty="0">
                 <a:solidFill>
-                  <a:schemeClr val="folHlink"/>
+                  <a:srgbClr val="0432FF"/>
                 </a:solidFill>
                 <a:latin typeface="Courier New" panose="02070309020205020404" pitchFamily="49" charset="0"/>
               </a:rPr>
@@ -9017,7 +9020,7 @@
             <a:r>
               <a:rPr lang="en-US" altLang="zh-CN" sz="2000" b="1" dirty="0">
                 <a:solidFill>
-                  <a:schemeClr val="folHlink"/>
+                  <a:srgbClr val="0432FF"/>
                 </a:solidFill>
                 <a:latin typeface="Courier New" panose="02070309020205020404" pitchFamily="49" charset="0"/>
               </a:rPr>
@@ -9026,7 +9029,7 @@
             <a:r>
               <a:rPr lang="en-US" altLang="zh-CN" sz="2000" b="1" i="1" dirty="0">
                 <a:solidFill>
-                  <a:schemeClr val="folHlink"/>
+                  <a:srgbClr val="0432FF"/>
                 </a:solidFill>
                 <a:latin typeface="Courier New" panose="02070309020205020404" pitchFamily="49" charset="0"/>
               </a:rPr>
@@ -9035,7 +9038,7 @@
             <a:r>
               <a:rPr lang="en-US" altLang="zh-CN" sz="2000" b="1" dirty="0">
                 <a:solidFill>
-                  <a:schemeClr val="folHlink"/>
+                  <a:srgbClr val="0432FF"/>
                 </a:solidFill>
                 <a:latin typeface="Courier New" panose="02070309020205020404" pitchFamily="49" charset="0"/>
               </a:rPr>
@@ -9050,7 +9053,7 @@
             <a:r>
               <a:rPr lang="en-US" altLang="zh-CN" sz="2000" b="1" dirty="0">
                 <a:solidFill>
-                  <a:schemeClr val="folHlink"/>
+                  <a:srgbClr val="0432FF"/>
                 </a:solidFill>
                 <a:latin typeface="Courier New" panose="02070309020205020404" pitchFamily="49" charset="0"/>
               </a:rPr>
@@ -9059,7 +9062,7 @@
             <a:r>
               <a:rPr lang="en-US" altLang="zh-CN" sz="2000" b="1" i="1" dirty="0">
                 <a:solidFill>
-                  <a:schemeClr val="folHlink"/>
+                  <a:srgbClr val="0432FF"/>
                 </a:solidFill>
                 <a:latin typeface="Courier New" panose="02070309020205020404" pitchFamily="49" charset="0"/>
               </a:rPr>
@@ -9068,7 +9071,7 @@
             <a:r>
               <a:rPr lang="en-US" altLang="zh-CN" sz="2000" b="1" dirty="0">
                 <a:solidFill>
-                  <a:schemeClr val="folHlink"/>
+                  <a:srgbClr val="0432FF"/>
                 </a:solidFill>
                 <a:latin typeface="Courier New" panose="02070309020205020404" pitchFamily="49" charset="0"/>
               </a:rPr>
@@ -9083,7 +9086,7 @@
             <a:r>
               <a:rPr lang="en-US" altLang="zh-CN" sz="2000" b="1" dirty="0">
                 <a:solidFill>
-                  <a:schemeClr val="folHlink"/>
+                  <a:srgbClr val="0432FF"/>
                 </a:solidFill>
                 <a:latin typeface="Courier New" panose="02070309020205020404" pitchFamily="49" charset="0"/>
               </a:rPr>
@@ -9092,7 +9095,7 @@
             <a:r>
               <a:rPr lang="en-US" altLang="zh-CN" sz="2000" b="1" i="1" dirty="0">
                 <a:solidFill>
-                  <a:schemeClr val="folHlink"/>
+                  <a:srgbClr val="0432FF"/>
                 </a:solidFill>
                 <a:latin typeface="Courier New" panose="02070309020205020404" pitchFamily="49" charset="0"/>
               </a:rPr>
@@ -9101,7 +9104,7 @@
             <a:r>
               <a:rPr lang="en-US" altLang="zh-CN" sz="2000" b="1" dirty="0">
                 <a:solidFill>
-                  <a:schemeClr val="folHlink"/>
+                  <a:srgbClr val="0432FF"/>
                 </a:solidFill>
                 <a:latin typeface="Courier New" panose="02070309020205020404" pitchFamily="49" charset="0"/>
               </a:rPr>
@@ -9116,7 +9119,7 @@
             <a:r>
               <a:rPr lang="en-US" altLang="zh-CN" sz="2000" b="1" dirty="0">
                 <a:solidFill>
-                  <a:schemeClr val="folHlink"/>
+                  <a:srgbClr val="0432FF"/>
                 </a:solidFill>
                 <a:latin typeface="Courier New" panose="02070309020205020404" pitchFamily="49" charset="0"/>
               </a:rPr>
@@ -9125,7 +9128,7 @@
             <a:r>
               <a:rPr lang="en-US" altLang="zh-CN" sz="2000" b="1" i="1" dirty="0">
                 <a:solidFill>
-                  <a:schemeClr val="folHlink"/>
+                  <a:srgbClr val="0432FF"/>
                 </a:solidFill>
                 <a:latin typeface="Courier New" panose="02070309020205020404" pitchFamily="49" charset="0"/>
               </a:rPr>
@@ -9134,7 +9137,7 @@
             <a:r>
               <a:rPr lang="en-US" altLang="zh-CN" sz="2000" b="1" dirty="0">
                 <a:solidFill>
-                  <a:schemeClr val="folHlink"/>
+                  <a:srgbClr val="0432FF"/>
                 </a:solidFill>
                 <a:latin typeface="Courier New" panose="02070309020205020404" pitchFamily="49" charset="0"/>
               </a:rPr>
@@ -9149,7 +9152,7 @@
             <a:r>
               <a:rPr lang="en-US" altLang="zh-CN" sz="2000" b="1" dirty="0">
                 <a:solidFill>
-                  <a:schemeClr val="folHlink"/>
+                  <a:srgbClr val="0432FF"/>
                 </a:solidFill>
                 <a:latin typeface="Courier New" panose="02070309020205020404" pitchFamily="49" charset="0"/>
               </a:rPr>
@@ -9158,7 +9161,7 @@
             <a:r>
               <a:rPr lang="en-US" altLang="zh-CN" sz="2000" b="1" i="1" dirty="0">
                 <a:solidFill>
-                  <a:schemeClr val="folHlink"/>
+                  <a:srgbClr val="0432FF"/>
                 </a:solidFill>
                 <a:latin typeface="Courier New" panose="02070309020205020404" pitchFamily="49" charset="0"/>
               </a:rPr>
@@ -9167,7 +9170,7 @@
             <a:r>
               <a:rPr lang="en-US" altLang="zh-CN" sz="2000" b="1" dirty="0">
                 <a:solidFill>
-                  <a:schemeClr val="folHlink"/>
+                  <a:srgbClr val="0432FF"/>
                 </a:solidFill>
                 <a:latin typeface="Courier New" panose="02070309020205020404" pitchFamily="49" charset="0"/>
               </a:rPr>
@@ -9182,7 +9185,7 @@
             <a:r>
               <a:rPr lang="en-US" altLang="zh-CN" sz="2000" b="1" dirty="0">
                 <a:solidFill>
-                  <a:schemeClr val="folHlink"/>
+                  <a:srgbClr val="0432FF"/>
                 </a:solidFill>
                 <a:latin typeface="Courier New" panose="02070309020205020404" pitchFamily="49" charset="0"/>
               </a:rPr>
@@ -9191,7 +9194,7 @@
             <a:r>
               <a:rPr lang="en-US" altLang="zh-CN" sz="2000" b="1" i="1" dirty="0">
                 <a:solidFill>
-                  <a:schemeClr val="folHlink"/>
+                  <a:srgbClr val="0432FF"/>
                 </a:solidFill>
                 <a:latin typeface="Courier New" panose="02070309020205020404" pitchFamily="49" charset="0"/>
               </a:rPr>
@@ -9200,7 +9203,7 @@
             <a:r>
               <a:rPr lang="en-US" altLang="zh-CN" sz="2000" b="1" dirty="0">
                 <a:solidFill>
-                  <a:schemeClr val="folHlink"/>
+                  <a:srgbClr val="0432FF"/>
                 </a:solidFill>
                 <a:latin typeface="Courier New" panose="02070309020205020404" pitchFamily="49" charset="0"/>
               </a:rPr>
@@ -9215,7 +9218,7 @@
             <a:r>
               <a:rPr lang="en-US" altLang="zh-CN" sz="2000" b="1" dirty="0">
                 <a:solidFill>
-                  <a:schemeClr val="folHlink"/>
+                  <a:srgbClr val="0432FF"/>
                 </a:solidFill>
                 <a:latin typeface="Courier New" panose="02070309020205020404" pitchFamily="49" charset="0"/>
               </a:rPr>
@@ -9224,7 +9227,7 @@
             <a:r>
               <a:rPr lang="en-US" altLang="zh-CN" sz="2000" b="1" i="1" dirty="0">
                 <a:solidFill>
-                  <a:schemeClr val="folHlink"/>
+                  <a:srgbClr val="0432FF"/>
                 </a:solidFill>
                 <a:latin typeface="Courier New" panose="02070309020205020404" pitchFamily="49" charset="0"/>
               </a:rPr>
@@ -9233,7 +9236,7 @@
             <a:r>
               <a:rPr lang="en-US" altLang="zh-CN" sz="2000" b="1" dirty="0">
                 <a:solidFill>
-                  <a:schemeClr val="folHlink"/>
+                  <a:srgbClr val="0432FF"/>
                 </a:solidFill>
                 <a:latin typeface="Courier New" panose="02070309020205020404" pitchFamily="49" charset="0"/>
               </a:rPr>
